--- a/docs/assets/Operating Systems.pptx
+++ b/docs/assets/Operating Systems.pptx
@@ -31,6 +31,42 @@
     <p:sldId id="279" r:id="rId25"/>
     <p:sldId id="280" r:id="rId26"/>
     <p:sldId id="281" r:id="rId27"/>
+    <p:sldId id="282" r:id="rId28"/>
+    <p:sldId id="283" r:id="rId29"/>
+    <p:sldId id="284" r:id="rId30"/>
+    <p:sldId id="285" r:id="rId31"/>
+    <p:sldId id="286" r:id="rId32"/>
+    <p:sldId id="287" r:id="rId33"/>
+    <p:sldId id="288" r:id="rId34"/>
+    <p:sldId id="289" r:id="rId35"/>
+    <p:sldId id="290" r:id="rId36"/>
+    <p:sldId id="291" r:id="rId37"/>
+    <p:sldId id="292" r:id="rId38"/>
+    <p:sldId id="293" r:id="rId39"/>
+    <p:sldId id="294" r:id="rId40"/>
+    <p:sldId id="295" r:id="rId41"/>
+    <p:sldId id="296" r:id="rId42"/>
+    <p:sldId id="297" r:id="rId43"/>
+    <p:sldId id="299" r:id="rId44"/>
+    <p:sldId id="298" r:id="rId45"/>
+    <p:sldId id="300" r:id="rId46"/>
+    <p:sldId id="301" r:id="rId47"/>
+    <p:sldId id="302" r:id="rId48"/>
+    <p:sldId id="303" r:id="rId49"/>
+    <p:sldId id="304" r:id="rId50"/>
+    <p:sldId id="305" r:id="rId51"/>
+    <p:sldId id="306" r:id="rId52"/>
+    <p:sldId id="307" r:id="rId53"/>
+    <p:sldId id="308" r:id="rId54"/>
+    <p:sldId id="309" r:id="rId55"/>
+    <p:sldId id="310" r:id="rId56"/>
+    <p:sldId id="311" r:id="rId57"/>
+    <p:sldId id="312" r:id="rId58"/>
+    <p:sldId id="314" r:id="rId59"/>
+    <p:sldId id="313" r:id="rId60"/>
+    <p:sldId id="315" r:id="rId61"/>
+    <p:sldId id="316" r:id="rId62"/>
+    <p:sldId id="317" r:id="rId63"/>
   </p:sldIdLst>
   <p:sldSz cx="12192000" cy="6858000"/>
   <p:notesSz cx="6858000" cy="9144000"/>
@@ -129,6 +165,11 @@
       </a:defRPr>
     </a:lvl9pPr>
   </p:defaultTextStyle>
+  <p:extLst>
+    <p:ext uri="{EFAFB233-063F-42B5-8137-9DF3F51BA10A}">
+      <p15:sldGuideLst xmlns:p15="http://schemas.microsoft.com/office/powerpoint/2012/main"/>
+    </p:ext>
+  </p:extLst>
 </p:presentation>
 </file>
 
@@ -279,7 +320,7 @@
           <a:p>
             <a:fld id="{2C568632-29C2-4277-8287-B2757E708830}" type="datetimeFigureOut">
               <a:rPr lang="zh-CN" altLang="en-US" smtClean="0"/>
-              <a:t>2021/7/29</a:t>
+              <a:t>2021/7/30</a:t>
             </a:fld>
             <a:endParaRPr lang="zh-CN" altLang="en-US"/>
           </a:p>
@@ -477,7 +518,7 @@
           <a:p>
             <a:fld id="{2C568632-29C2-4277-8287-B2757E708830}" type="datetimeFigureOut">
               <a:rPr lang="zh-CN" altLang="en-US" smtClean="0"/>
-              <a:t>2021/7/29</a:t>
+              <a:t>2021/7/30</a:t>
             </a:fld>
             <a:endParaRPr lang="zh-CN" altLang="en-US"/>
           </a:p>
@@ -685,7 +726,7 @@
           <a:p>
             <a:fld id="{2C568632-29C2-4277-8287-B2757E708830}" type="datetimeFigureOut">
               <a:rPr lang="zh-CN" altLang="en-US" smtClean="0"/>
-              <a:t>2021/7/29</a:t>
+              <a:t>2021/7/30</a:t>
             </a:fld>
             <a:endParaRPr lang="zh-CN" altLang="en-US"/>
           </a:p>
@@ -883,7 +924,7 @@
           <a:p>
             <a:fld id="{2C568632-29C2-4277-8287-B2757E708830}" type="datetimeFigureOut">
               <a:rPr lang="zh-CN" altLang="en-US" smtClean="0"/>
-              <a:t>2021/7/29</a:t>
+              <a:t>2021/7/30</a:t>
             </a:fld>
             <a:endParaRPr lang="zh-CN" altLang="en-US"/>
           </a:p>
@@ -1158,7 +1199,7 @@
           <a:p>
             <a:fld id="{2C568632-29C2-4277-8287-B2757E708830}" type="datetimeFigureOut">
               <a:rPr lang="zh-CN" altLang="en-US" smtClean="0"/>
-              <a:t>2021/7/29</a:t>
+              <a:t>2021/7/30</a:t>
             </a:fld>
             <a:endParaRPr lang="zh-CN" altLang="en-US"/>
           </a:p>
@@ -1423,7 +1464,7 @@
           <a:p>
             <a:fld id="{2C568632-29C2-4277-8287-B2757E708830}" type="datetimeFigureOut">
               <a:rPr lang="zh-CN" altLang="en-US" smtClean="0"/>
-              <a:t>2021/7/29</a:t>
+              <a:t>2021/7/30</a:t>
             </a:fld>
             <a:endParaRPr lang="zh-CN" altLang="en-US"/>
           </a:p>
@@ -1835,7 +1876,7 @@
           <a:p>
             <a:fld id="{2C568632-29C2-4277-8287-B2757E708830}" type="datetimeFigureOut">
               <a:rPr lang="zh-CN" altLang="en-US" smtClean="0"/>
-              <a:t>2021/7/29</a:t>
+              <a:t>2021/7/30</a:t>
             </a:fld>
             <a:endParaRPr lang="zh-CN" altLang="en-US"/>
           </a:p>
@@ -1976,7 +2017,7 @@
           <a:p>
             <a:fld id="{2C568632-29C2-4277-8287-B2757E708830}" type="datetimeFigureOut">
               <a:rPr lang="zh-CN" altLang="en-US" smtClean="0"/>
-              <a:t>2021/7/29</a:t>
+              <a:t>2021/7/30</a:t>
             </a:fld>
             <a:endParaRPr lang="zh-CN" altLang="en-US"/>
           </a:p>
@@ -2089,7 +2130,7 @@
           <a:p>
             <a:fld id="{2C568632-29C2-4277-8287-B2757E708830}" type="datetimeFigureOut">
               <a:rPr lang="zh-CN" altLang="en-US" smtClean="0"/>
-              <a:t>2021/7/29</a:t>
+              <a:t>2021/7/30</a:t>
             </a:fld>
             <a:endParaRPr lang="zh-CN" altLang="en-US"/>
           </a:p>
@@ -2400,7 +2441,7 @@
           <a:p>
             <a:fld id="{2C568632-29C2-4277-8287-B2757E708830}" type="datetimeFigureOut">
               <a:rPr lang="zh-CN" altLang="en-US" smtClean="0"/>
-              <a:t>2021/7/29</a:t>
+              <a:t>2021/7/30</a:t>
             </a:fld>
             <a:endParaRPr lang="zh-CN" altLang="en-US"/>
           </a:p>
@@ -2688,7 +2729,7 @@
           <a:p>
             <a:fld id="{2C568632-29C2-4277-8287-B2757E708830}" type="datetimeFigureOut">
               <a:rPr lang="zh-CN" altLang="en-US" smtClean="0"/>
-              <a:t>2021/7/29</a:t>
+              <a:t>2021/7/30</a:t>
             </a:fld>
             <a:endParaRPr lang="zh-CN" altLang="en-US"/>
           </a:p>
@@ -2929,7 +2970,7 @@
           <a:p>
             <a:fld id="{2C568632-29C2-4277-8287-B2757E708830}" type="datetimeFigureOut">
               <a:rPr lang="zh-CN" altLang="en-US" smtClean="0"/>
-              <a:t>2021/7/29</a:t>
+              <a:t>2021/7/30</a:t>
             </a:fld>
             <a:endParaRPr lang="zh-CN" altLang="en-US"/>
           </a:p>
@@ -4396,8 +4437,8 @@
           </a:p>
         </p:txBody>
       </p:sp>
-      <mc:AlternateContent xmlns:mc="http://schemas.openxmlformats.org/markup-compatibility/2006">
-        <mc:Choice xmlns:a14="http://schemas.microsoft.com/office/drawing/2010/main" Requires="a14">
+      <mc:AlternateContent xmlns:mc="http://schemas.openxmlformats.org/markup-compatibility/2006" xmlns:a14="http://schemas.microsoft.com/office/drawing/2010/main">
+        <mc:Choice Requires="a14">
           <p:sp>
             <p:nvSpPr>
               <p:cNvPr id="3" name="内容占位符 2">
@@ -4852,7 +4893,7 @@
             </p:txBody>
           </p:sp>
         </mc:Choice>
-        <mc:Fallback>
+        <mc:Fallback xmlns="">
           <p:sp>
             <p:nvSpPr>
               <p:cNvPr id="3" name="内容占位符 2">
@@ -6151,6 +6192,396 @@
 </p:sld>
 </file>
 
+<file path=ppt/slides/slide27.xml><?xml version="1.0" encoding="utf-8"?>
+<p:sld xmlns:a="http://schemas.openxmlformats.org/drawingml/2006/main" xmlns:r="http://schemas.openxmlformats.org/officeDocument/2006/relationships" xmlns:p="http://schemas.openxmlformats.org/presentationml/2006/main">
+  <p:cSld>
+    <p:spTree>
+      <p:nvGrpSpPr>
+        <p:cNvPr id="1" name=""/>
+        <p:cNvGrpSpPr/>
+        <p:nvPr/>
+      </p:nvGrpSpPr>
+      <p:grpSpPr>
+        <a:xfrm>
+          <a:off x="0" y="0"/>
+          <a:ext cx="0" cy="0"/>
+          <a:chOff x="0" y="0"/>
+          <a:chExt cx="0" cy="0"/>
+        </a:xfrm>
+      </p:grpSpPr>
+      <p:sp>
+        <p:nvSpPr>
+          <p:cNvPr id="2" name="标题 1">
+            <a:extLst>
+              <a:ext uri="{FF2B5EF4-FFF2-40B4-BE49-F238E27FC236}">
+                <a16:creationId xmlns:a16="http://schemas.microsoft.com/office/drawing/2014/main" id="{0868EE17-4904-4B6F-A62B-0E0E5FF0C889}"/>
+              </a:ext>
+            </a:extLst>
+          </p:cNvPr>
+          <p:cNvSpPr>
+            <a:spLocks noGrp="1"/>
+          </p:cNvSpPr>
+          <p:nvPr>
+            <p:ph type="title"/>
+          </p:nvPr>
+        </p:nvSpPr>
+        <p:spPr/>
+        <p:txBody>
+          <a:bodyPr/>
+          <a:lstStyle/>
+          <a:p>
+            <a:r>
+              <a:rPr lang="en-US" altLang="zh-CN" dirty="0"/>
+              <a:t>CPU Structure and Compiling of Program</a:t>
+            </a:r>
+            <a:endParaRPr lang="zh-CN" altLang="en-US" dirty="0"/>
+          </a:p>
+        </p:txBody>
+      </p:sp>
+      <p:sp>
+        <p:nvSpPr>
+          <p:cNvPr id="3" name="文本占位符 2">
+            <a:extLst>
+              <a:ext uri="{FF2B5EF4-FFF2-40B4-BE49-F238E27FC236}">
+                <a16:creationId xmlns:a16="http://schemas.microsoft.com/office/drawing/2014/main" id="{7B27D26C-3F3B-4616-91FE-C6B987895F0F}"/>
+              </a:ext>
+            </a:extLst>
+          </p:cNvPr>
+          <p:cNvSpPr>
+            <a:spLocks noGrp="1"/>
+          </p:cNvSpPr>
+          <p:nvPr>
+            <p:ph type="body" idx="1"/>
+          </p:nvPr>
+        </p:nvSpPr>
+        <p:spPr/>
+        <p:txBody>
+          <a:bodyPr/>
+          <a:lstStyle/>
+          <a:p>
+            <a:r>
+              <a:rPr lang="en-US" altLang="zh-CN" dirty="0"/>
+              <a:t>Chapter 3</a:t>
+            </a:r>
+            <a:endParaRPr lang="zh-CN" altLang="en-US" dirty="0"/>
+          </a:p>
+        </p:txBody>
+      </p:sp>
+    </p:spTree>
+    <p:extLst>
+      <p:ext uri="{BB962C8B-B14F-4D97-AF65-F5344CB8AC3E}">
+        <p14:creationId xmlns:p14="http://schemas.microsoft.com/office/powerpoint/2010/main" val="992073927"/>
+      </p:ext>
+    </p:extLst>
+  </p:cSld>
+  <p:clrMapOvr>
+    <a:masterClrMapping/>
+  </p:clrMapOvr>
+</p:sld>
+</file>
+
+<file path=ppt/slides/slide28.xml><?xml version="1.0" encoding="utf-8"?>
+<p:sld xmlns:a="http://schemas.openxmlformats.org/drawingml/2006/main" xmlns:r="http://schemas.openxmlformats.org/officeDocument/2006/relationships" xmlns:p="http://schemas.openxmlformats.org/presentationml/2006/main">
+  <p:cSld>
+    <p:spTree>
+      <p:nvGrpSpPr>
+        <p:cNvPr id="1" name=""/>
+        <p:cNvGrpSpPr/>
+        <p:nvPr/>
+      </p:nvGrpSpPr>
+      <p:grpSpPr>
+        <a:xfrm>
+          <a:off x="0" y="0"/>
+          <a:ext cx="0" cy="0"/>
+          <a:chOff x="0" y="0"/>
+          <a:chExt cx="0" cy="0"/>
+        </a:xfrm>
+      </p:grpSpPr>
+      <p:sp>
+        <p:nvSpPr>
+          <p:cNvPr id="2" name="标题 1">
+            <a:extLst>
+              <a:ext uri="{FF2B5EF4-FFF2-40B4-BE49-F238E27FC236}">
+                <a16:creationId xmlns:a16="http://schemas.microsoft.com/office/drawing/2014/main" id="{298B2778-4F22-48DC-80DD-F2B26142426B}"/>
+              </a:ext>
+            </a:extLst>
+          </p:cNvPr>
+          <p:cNvSpPr>
+            <a:spLocks noGrp="1"/>
+          </p:cNvSpPr>
+          <p:nvPr>
+            <p:ph type="title"/>
+          </p:nvPr>
+        </p:nvSpPr>
+        <p:spPr/>
+        <p:txBody>
+          <a:bodyPr/>
+          <a:lstStyle/>
+          <a:p>
+            <a:r>
+              <a:rPr lang="en-US" altLang="zh-CN" dirty="0"/>
+              <a:t>Logistic</a:t>
+            </a:r>
+            <a:endParaRPr lang="zh-CN" altLang="en-US" dirty="0"/>
+          </a:p>
+        </p:txBody>
+      </p:sp>
+      <p:sp>
+        <p:nvSpPr>
+          <p:cNvPr id="3" name="内容占位符 2">
+            <a:extLst>
+              <a:ext uri="{FF2B5EF4-FFF2-40B4-BE49-F238E27FC236}">
+                <a16:creationId xmlns:a16="http://schemas.microsoft.com/office/drawing/2014/main" id="{48EE3B90-C5C9-440B-91C2-8950343942EE}"/>
+              </a:ext>
+            </a:extLst>
+          </p:cNvPr>
+          <p:cNvSpPr>
+            <a:spLocks noGrp="1"/>
+          </p:cNvSpPr>
+          <p:nvPr>
+            <p:ph idx="1"/>
+          </p:nvPr>
+        </p:nvSpPr>
+        <p:spPr/>
+        <p:txBody>
+          <a:bodyPr/>
+          <a:lstStyle/>
+          <a:p>
+            <a:r>
+              <a:rPr lang="en-US" altLang="zh-CN" dirty="0"/>
+              <a:t>Logic gate:</a:t>
+            </a:r>
+          </a:p>
+          <a:p>
+            <a:endParaRPr lang="en-US" altLang="zh-CN" dirty="0"/>
+          </a:p>
+          <a:p>
+            <a:endParaRPr lang="en-US" altLang="zh-CN" dirty="0"/>
+          </a:p>
+          <a:p>
+            <a:r>
+              <a:rPr lang="en-US" altLang="zh-CN" dirty="0"/>
+              <a:t>Combinational circuit: combination of logic gates.</a:t>
+            </a:r>
+          </a:p>
+          <a:p>
+            <a:r>
+              <a:rPr lang="en-US" altLang="zh-CN" dirty="0"/>
+              <a:t>Clock has </a:t>
+            </a:r>
+            <a:r>
+              <a:rPr lang="en-US" altLang="zh-CN" b="1" dirty="0"/>
+              <a:t>rising edge</a:t>
+            </a:r>
+            <a:r>
+              <a:rPr lang="en-US" altLang="zh-CN" dirty="0"/>
+              <a:t> and </a:t>
+            </a:r>
+            <a:r>
+              <a:rPr lang="en-US" altLang="zh-CN" b="1" dirty="0"/>
+              <a:t>falling edge</a:t>
+            </a:r>
+            <a:r>
+              <a:rPr lang="en-US" altLang="zh-CN" dirty="0"/>
+              <a:t>.</a:t>
+            </a:r>
+          </a:p>
+          <a:p>
+            <a:endParaRPr lang="zh-CN" altLang="en-US" dirty="0"/>
+          </a:p>
+        </p:txBody>
+      </p:sp>
+      <p:pic>
+        <p:nvPicPr>
+          <p:cNvPr id="5" name="图片 4">
+            <a:extLst>
+              <a:ext uri="{FF2B5EF4-FFF2-40B4-BE49-F238E27FC236}">
+                <a16:creationId xmlns:a16="http://schemas.microsoft.com/office/drawing/2014/main" id="{694C8431-ED01-42A5-A1CC-A3B8053879E2}"/>
+              </a:ext>
+            </a:extLst>
+          </p:cNvPr>
+          <p:cNvPicPr>
+            <a:picLocks noChangeAspect="1"/>
+          </p:cNvPicPr>
+          <p:nvPr/>
+        </p:nvPicPr>
+        <p:blipFill>
+          <a:blip r:embed="rId2"/>
+          <a:stretch>
+            <a:fillRect/>
+          </a:stretch>
+        </p:blipFill>
+        <p:spPr>
+          <a:xfrm>
+            <a:off x="838200" y="2425804"/>
+            <a:ext cx="2914286" cy="742857"/>
+          </a:xfrm>
+          <a:prstGeom prst="rect">
+            <a:avLst/>
+          </a:prstGeom>
+        </p:spPr>
+      </p:pic>
+      <p:pic>
+        <p:nvPicPr>
+          <p:cNvPr id="7" name="图片 6">
+            <a:extLst>
+              <a:ext uri="{FF2B5EF4-FFF2-40B4-BE49-F238E27FC236}">
+                <a16:creationId xmlns:a16="http://schemas.microsoft.com/office/drawing/2014/main" id="{5C231A93-846B-4D46-8459-FAD89D683B0D}"/>
+              </a:ext>
+            </a:extLst>
+          </p:cNvPr>
+          <p:cNvPicPr>
+            <a:picLocks noChangeAspect="1"/>
+          </p:cNvPicPr>
+          <p:nvPr/>
+        </p:nvPicPr>
+        <p:blipFill>
+          <a:blip r:embed="rId3"/>
+          <a:stretch>
+            <a:fillRect/>
+          </a:stretch>
+        </p:blipFill>
+        <p:spPr>
+          <a:xfrm>
+            <a:off x="838200" y="4440871"/>
+            <a:ext cx="3409524" cy="885714"/>
+          </a:xfrm>
+          <a:prstGeom prst="rect">
+            <a:avLst/>
+          </a:prstGeom>
+        </p:spPr>
+      </p:pic>
+    </p:spTree>
+    <p:extLst>
+      <p:ext uri="{BB962C8B-B14F-4D97-AF65-F5344CB8AC3E}">
+        <p14:creationId xmlns:p14="http://schemas.microsoft.com/office/powerpoint/2010/main" val="1343354016"/>
+      </p:ext>
+    </p:extLst>
+  </p:cSld>
+  <p:clrMapOvr>
+    <a:masterClrMapping/>
+  </p:clrMapOvr>
+</p:sld>
+</file>
+
+<file path=ppt/slides/slide29.xml><?xml version="1.0" encoding="utf-8"?>
+<p:sld xmlns:a="http://schemas.openxmlformats.org/drawingml/2006/main" xmlns:r="http://schemas.openxmlformats.org/officeDocument/2006/relationships" xmlns:p="http://schemas.openxmlformats.org/presentationml/2006/main">
+  <p:cSld>
+    <p:spTree>
+      <p:nvGrpSpPr>
+        <p:cNvPr id="1" name=""/>
+        <p:cNvGrpSpPr/>
+        <p:nvPr/>
+      </p:nvGrpSpPr>
+      <p:grpSpPr>
+        <a:xfrm>
+          <a:off x="0" y="0"/>
+          <a:ext cx="0" cy="0"/>
+          <a:chOff x="0" y="0"/>
+          <a:chExt cx="0" cy="0"/>
+        </a:xfrm>
+      </p:grpSpPr>
+      <p:sp>
+        <p:nvSpPr>
+          <p:cNvPr id="2" name="标题 1">
+            <a:extLst>
+              <a:ext uri="{FF2B5EF4-FFF2-40B4-BE49-F238E27FC236}">
+                <a16:creationId xmlns:a16="http://schemas.microsoft.com/office/drawing/2014/main" id="{C4576947-315F-4391-870E-40C3A43E1DE9}"/>
+              </a:ext>
+            </a:extLst>
+          </p:cNvPr>
+          <p:cNvSpPr>
+            <a:spLocks noGrp="1"/>
+          </p:cNvSpPr>
+          <p:nvPr>
+            <p:ph type="title"/>
+          </p:nvPr>
+        </p:nvSpPr>
+        <p:spPr/>
+        <p:txBody>
+          <a:bodyPr/>
+          <a:lstStyle/>
+          <a:p>
+            <a:r>
+              <a:rPr lang="en-US" altLang="zh-CN" dirty="0"/>
+              <a:t>CPU Stages</a:t>
+            </a:r>
+            <a:endParaRPr lang="zh-CN" altLang="en-US" dirty="0"/>
+          </a:p>
+        </p:txBody>
+      </p:sp>
+      <p:sp>
+        <p:nvSpPr>
+          <p:cNvPr id="3" name="内容占位符 2">
+            <a:extLst>
+              <a:ext uri="{FF2B5EF4-FFF2-40B4-BE49-F238E27FC236}">
+                <a16:creationId xmlns:a16="http://schemas.microsoft.com/office/drawing/2014/main" id="{ED40B368-1856-42CA-91DB-5D1B7825FA9E}"/>
+              </a:ext>
+            </a:extLst>
+          </p:cNvPr>
+          <p:cNvSpPr>
+            <a:spLocks noGrp="1"/>
+          </p:cNvSpPr>
+          <p:nvPr>
+            <p:ph idx="1"/>
+          </p:nvPr>
+        </p:nvSpPr>
+        <p:spPr/>
+        <p:txBody>
+          <a:bodyPr/>
+          <a:lstStyle/>
+          <a:p>
+            <a:r>
+              <a:rPr lang="en-US" altLang="zh-CN" dirty="0"/>
+              <a:t>Fetch: load instruction from memory.</a:t>
+            </a:r>
+          </a:p>
+          <a:p>
+            <a:r>
+              <a:rPr lang="en-US" altLang="zh-CN" dirty="0"/>
+              <a:t>Decode: load value from register.</a:t>
+            </a:r>
+          </a:p>
+          <a:p>
+            <a:r>
+              <a:rPr lang="en-US" altLang="zh-CN" dirty="0"/>
+              <a:t>Execute: ALU arithmetic &amp; conditional.</a:t>
+            </a:r>
+          </a:p>
+          <a:p>
+            <a:r>
+              <a:rPr lang="en-US" altLang="zh-CN" dirty="0"/>
+              <a:t>Memory: store / load memory.</a:t>
+            </a:r>
+          </a:p>
+          <a:p>
+            <a:r>
+              <a:rPr lang="en-US" altLang="zh-CN" dirty="0"/>
+              <a:t>Write back: store value to register.</a:t>
+            </a:r>
+          </a:p>
+          <a:p>
+            <a:r>
+              <a:rPr lang="en-US" altLang="zh-CN" dirty="0"/>
+              <a:t>PC update: set PC to address of next instruction.</a:t>
+            </a:r>
+            <a:endParaRPr lang="zh-CN" altLang="en-US" dirty="0"/>
+          </a:p>
+        </p:txBody>
+      </p:sp>
+    </p:spTree>
+    <p:extLst>
+      <p:ext uri="{BB962C8B-B14F-4D97-AF65-F5344CB8AC3E}">
+        <p14:creationId xmlns:p14="http://schemas.microsoft.com/office/powerpoint/2010/main" val="2420598604"/>
+      </p:ext>
+    </p:extLst>
+  </p:cSld>
+  <p:clrMapOvr>
+    <a:masterClrMapping/>
+  </p:clrMapOvr>
+</p:sld>
+</file>
+
 <file path=ppt/slides/slide3.xml><?xml version="1.0" encoding="utf-8"?>
 <p:sld xmlns:a="http://schemas.openxmlformats.org/drawingml/2006/main" xmlns:r="http://schemas.openxmlformats.org/officeDocument/2006/relationships" xmlns:p="http://schemas.openxmlformats.org/presentationml/2006/main">
   <p:cSld>
@@ -6277,6 +6708,1331 @@
 </p:sld>
 </file>
 
+<file path=ppt/slides/slide30.xml><?xml version="1.0" encoding="utf-8"?>
+<p:sld xmlns:a="http://schemas.openxmlformats.org/drawingml/2006/main" xmlns:r="http://schemas.openxmlformats.org/officeDocument/2006/relationships" xmlns:p="http://schemas.openxmlformats.org/presentationml/2006/main">
+  <p:cSld>
+    <p:spTree>
+      <p:nvGrpSpPr>
+        <p:cNvPr id="1" name=""/>
+        <p:cNvGrpSpPr/>
+        <p:nvPr/>
+      </p:nvGrpSpPr>
+      <p:grpSpPr>
+        <a:xfrm>
+          <a:off x="0" y="0"/>
+          <a:ext cx="0" cy="0"/>
+          <a:chOff x="0" y="0"/>
+          <a:chExt cx="0" cy="0"/>
+        </a:xfrm>
+      </p:grpSpPr>
+      <p:sp>
+        <p:nvSpPr>
+          <p:cNvPr id="2" name="标题 1">
+            <a:extLst>
+              <a:ext uri="{FF2B5EF4-FFF2-40B4-BE49-F238E27FC236}">
+                <a16:creationId xmlns:a16="http://schemas.microsoft.com/office/drawing/2014/main" id="{7F7D1A90-4602-4AD7-9435-F3DEB4D6663F}"/>
+              </a:ext>
+            </a:extLst>
+          </p:cNvPr>
+          <p:cNvSpPr>
+            <a:spLocks noGrp="1"/>
+          </p:cNvSpPr>
+          <p:nvPr>
+            <p:ph type="title"/>
+          </p:nvPr>
+        </p:nvSpPr>
+        <p:spPr/>
+        <p:txBody>
+          <a:bodyPr/>
+          <a:lstStyle/>
+          <a:p>
+            <a:r>
+              <a:rPr lang="en-US" altLang="zh-CN" dirty="0"/>
+              <a:t>CPU Stages</a:t>
+            </a:r>
+            <a:endParaRPr lang="zh-CN" altLang="en-US" dirty="0"/>
+          </a:p>
+        </p:txBody>
+      </p:sp>
+      <p:pic>
+        <p:nvPicPr>
+          <p:cNvPr id="5" name="内容占位符 4">
+            <a:extLst>
+              <a:ext uri="{FF2B5EF4-FFF2-40B4-BE49-F238E27FC236}">
+                <a16:creationId xmlns:a16="http://schemas.microsoft.com/office/drawing/2014/main" id="{F573EC1F-121A-4F27-B624-48A7B7F1F779}"/>
+              </a:ext>
+            </a:extLst>
+          </p:cNvPr>
+          <p:cNvPicPr>
+            <a:picLocks noGrp="1" noChangeAspect="1"/>
+          </p:cNvPicPr>
+          <p:nvPr>
+            <p:ph idx="1"/>
+          </p:nvPr>
+        </p:nvPicPr>
+        <p:blipFill>
+          <a:blip r:embed="rId2"/>
+          <a:stretch>
+            <a:fillRect/>
+          </a:stretch>
+        </p:blipFill>
+        <p:spPr>
+          <a:xfrm>
+            <a:off x="838200" y="1690688"/>
+            <a:ext cx="2678413" cy="4351338"/>
+          </a:xfrm>
+        </p:spPr>
+      </p:pic>
+      <p:pic>
+        <p:nvPicPr>
+          <p:cNvPr id="7" name="图片 6">
+            <a:extLst>
+              <a:ext uri="{FF2B5EF4-FFF2-40B4-BE49-F238E27FC236}">
+                <a16:creationId xmlns:a16="http://schemas.microsoft.com/office/drawing/2014/main" id="{BA29791F-B3C5-4BC6-9EF7-41D940B7A28F}"/>
+              </a:ext>
+            </a:extLst>
+          </p:cNvPr>
+          <p:cNvPicPr>
+            <a:picLocks noChangeAspect="1"/>
+          </p:cNvPicPr>
+          <p:nvPr/>
+        </p:nvPicPr>
+        <p:blipFill>
+          <a:blip r:embed="rId3"/>
+          <a:stretch>
+            <a:fillRect/>
+          </a:stretch>
+        </p:blipFill>
+        <p:spPr>
+          <a:xfrm>
+            <a:off x="4959016" y="562333"/>
+            <a:ext cx="4952381" cy="5733333"/>
+          </a:xfrm>
+          <a:prstGeom prst="rect">
+            <a:avLst/>
+          </a:prstGeom>
+        </p:spPr>
+      </p:pic>
+    </p:spTree>
+    <p:extLst>
+      <p:ext uri="{BB962C8B-B14F-4D97-AF65-F5344CB8AC3E}">
+        <p14:creationId xmlns:p14="http://schemas.microsoft.com/office/powerpoint/2010/main" val="2196668620"/>
+      </p:ext>
+    </p:extLst>
+  </p:cSld>
+  <p:clrMapOvr>
+    <a:masterClrMapping/>
+  </p:clrMapOvr>
+</p:sld>
+</file>
+
+<file path=ppt/slides/slide31.xml><?xml version="1.0" encoding="utf-8"?>
+<p:sld xmlns:a="http://schemas.openxmlformats.org/drawingml/2006/main" xmlns:r="http://schemas.openxmlformats.org/officeDocument/2006/relationships" xmlns:p="http://schemas.openxmlformats.org/presentationml/2006/main">
+  <p:cSld>
+    <p:spTree>
+      <p:nvGrpSpPr>
+        <p:cNvPr id="1" name=""/>
+        <p:cNvGrpSpPr/>
+        <p:nvPr/>
+      </p:nvGrpSpPr>
+      <p:grpSpPr>
+        <a:xfrm>
+          <a:off x="0" y="0"/>
+          <a:ext cx="0" cy="0"/>
+          <a:chOff x="0" y="0"/>
+          <a:chExt cx="0" cy="0"/>
+        </a:xfrm>
+      </p:grpSpPr>
+      <p:sp>
+        <p:nvSpPr>
+          <p:cNvPr id="2" name="标题 1">
+            <a:extLst>
+              <a:ext uri="{FF2B5EF4-FFF2-40B4-BE49-F238E27FC236}">
+                <a16:creationId xmlns:a16="http://schemas.microsoft.com/office/drawing/2014/main" id="{5504C474-9117-4A81-A016-580E17A9351A}"/>
+              </a:ext>
+            </a:extLst>
+          </p:cNvPr>
+          <p:cNvSpPr>
+            <a:spLocks noGrp="1"/>
+          </p:cNvSpPr>
+          <p:nvPr>
+            <p:ph type="title"/>
+          </p:nvPr>
+        </p:nvSpPr>
+        <p:spPr/>
+        <p:txBody>
+          <a:bodyPr/>
+          <a:lstStyle/>
+          <a:p>
+            <a:r>
+              <a:rPr lang="en-US" altLang="zh-CN" dirty="0"/>
+              <a:t>Pipeline</a:t>
+            </a:r>
+            <a:endParaRPr lang="zh-CN" altLang="en-US" dirty="0"/>
+          </a:p>
+        </p:txBody>
+      </p:sp>
+      <p:sp>
+        <p:nvSpPr>
+          <p:cNvPr id="3" name="内容占位符 2">
+            <a:extLst>
+              <a:ext uri="{FF2B5EF4-FFF2-40B4-BE49-F238E27FC236}">
+                <a16:creationId xmlns:a16="http://schemas.microsoft.com/office/drawing/2014/main" id="{3E829A96-5379-4283-8FFA-B4818B793C68}"/>
+              </a:ext>
+            </a:extLst>
+          </p:cNvPr>
+          <p:cNvSpPr>
+            <a:spLocks noGrp="1"/>
+          </p:cNvSpPr>
+          <p:nvPr>
+            <p:ph idx="1"/>
+          </p:nvPr>
+        </p:nvSpPr>
+        <p:spPr/>
+        <p:txBody>
+          <a:bodyPr>
+            <a:normAutofit/>
+          </a:bodyPr>
+          <a:lstStyle/>
+          <a:p>
+            <a:endParaRPr lang="en-US" altLang="zh-CN" dirty="0"/>
+          </a:p>
+          <a:p>
+            <a:endParaRPr lang="en-US" altLang="zh-CN" dirty="0"/>
+          </a:p>
+          <a:p>
+            <a:endParaRPr lang="en-US" altLang="zh-CN" dirty="0"/>
+          </a:p>
+          <a:p>
+            <a:endParaRPr lang="en-US" altLang="zh-CN" dirty="0"/>
+          </a:p>
+          <a:p>
+            <a:endParaRPr lang="en-US" altLang="zh-CN" dirty="0"/>
+          </a:p>
+          <a:p>
+            <a:endParaRPr lang="en-US" altLang="zh-CN" dirty="0"/>
+          </a:p>
+          <a:p>
+            <a:endParaRPr lang="en-US" altLang="zh-CN" dirty="0"/>
+          </a:p>
+          <a:p>
+            <a:r>
+              <a:rPr lang="en-US" altLang="zh-CN" dirty="0"/>
+              <a:t>Estimate the next PC address / branch.</a:t>
+            </a:r>
+          </a:p>
+        </p:txBody>
+      </p:sp>
+      <p:pic>
+        <p:nvPicPr>
+          <p:cNvPr id="9" name="图片 8">
+            <a:extLst>
+              <a:ext uri="{FF2B5EF4-FFF2-40B4-BE49-F238E27FC236}">
+                <a16:creationId xmlns:a16="http://schemas.microsoft.com/office/drawing/2014/main" id="{30D32A3B-194D-4ACB-868E-981E1DA9EEE4}"/>
+              </a:ext>
+            </a:extLst>
+          </p:cNvPr>
+          <p:cNvPicPr>
+            <a:picLocks noChangeAspect="1"/>
+          </p:cNvPicPr>
+          <p:nvPr/>
+        </p:nvPicPr>
+        <p:blipFill>
+          <a:blip r:embed="rId2"/>
+          <a:stretch>
+            <a:fillRect/>
+          </a:stretch>
+        </p:blipFill>
+        <p:spPr>
+          <a:xfrm>
+            <a:off x="838200" y="1524238"/>
+            <a:ext cx="4904762" cy="3809524"/>
+          </a:xfrm>
+          <a:prstGeom prst="rect">
+            <a:avLst/>
+          </a:prstGeom>
+        </p:spPr>
+      </p:pic>
+    </p:spTree>
+    <p:extLst>
+      <p:ext uri="{BB962C8B-B14F-4D97-AF65-F5344CB8AC3E}">
+        <p14:creationId xmlns:p14="http://schemas.microsoft.com/office/powerpoint/2010/main" val="1277171064"/>
+      </p:ext>
+    </p:extLst>
+  </p:cSld>
+  <p:clrMapOvr>
+    <a:masterClrMapping/>
+  </p:clrMapOvr>
+</p:sld>
+</file>
+
+<file path=ppt/slides/slide32.xml><?xml version="1.0" encoding="utf-8"?>
+<p:sld xmlns:a="http://schemas.openxmlformats.org/drawingml/2006/main" xmlns:r="http://schemas.openxmlformats.org/officeDocument/2006/relationships" xmlns:p="http://schemas.openxmlformats.org/presentationml/2006/main">
+  <p:cSld>
+    <p:spTree>
+      <p:nvGrpSpPr>
+        <p:cNvPr id="1" name=""/>
+        <p:cNvGrpSpPr/>
+        <p:nvPr/>
+      </p:nvGrpSpPr>
+      <p:grpSpPr>
+        <a:xfrm>
+          <a:off x="0" y="0"/>
+          <a:ext cx="0" cy="0"/>
+          <a:chOff x="0" y="0"/>
+          <a:chExt cx="0" cy="0"/>
+        </a:xfrm>
+      </p:grpSpPr>
+      <p:sp>
+        <p:nvSpPr>
+          <p:cNvPr id="2" name="标题 1">
+            <a:extLst>
+              <a:ext uri="{FF2B5EF4-FFF2-40B4-BE49-F238E27FC236}">
+                <a16:creationId xmlns:a16="http://schemas.microsoft.com/office/drawing/2014/main" id="{7E646002-B781-482B-90C8-32EEEEF8417C}"/>
+              </a:ext>
+            </a:extLst>
+          </p:cNvPr>
+          <p:cNvSpPr>
+            <a:spLocks noGrp="1"/>
+          </p:cNvSpPr>
+          <p:nvPr>
+            <p:ph type="title"/>
+          </p:nvPr>
+        </p:nvSpPr>
+        <p:spPr/>
+        <p:txBody>
+          <a:bodyPr/>
+          <a:lstStyle/>
+          <a:p>
+            <a:r>
+              <a:rPr lang="en-US" altLang="zh-CN" dirty="0"/>
+              <a:t>Program Performance</a:t>
+            </a:r>
+            <a:endParaRPr lang="zh-CN" altLang="en-US" dirty="0"/>
+          </a:p>
+        </p:txBody>
+      </p:sp>
+      <p:sp>
+        <p:nvSpPr>
+          <p:cNvPr id="3" name="内容占位符 2">
+            <a:extLst>
+              <a:ext uri="{FF2B5EF4-FFF2-40B4-BE49-F238E27FC236}">
+                <a16:creationId xmlns:a16="http://schemas.microsoft.com/office/drawing/2014/main" id="{108E7190-AB15-4562-8522-D0CDE09B438A}"/>
+              </a:ext>
+            </a:extLst>
+          </p:cNvPr>
+          <p:cNvSpPr>
+            <a:spLocks noGrp="1"/>
+          </p:cNvSpPr>
+          <p:nvPr>
+            <p:ph idx="1"/>
+          </p:nvPr>
+        </p:nvSpPr>
+        <p:spPr/>
+        <p:txBody>
+          <a:bodyPr/>
+          <a:lstStyle/>
+          <a:p>
+            <a:r>
+              <a:rPr lang="en-US" altLang="zh-CN" dirty="0"/>
+              <a:t>GCC (and other compilers) uses optimizer to improve performance of program.</a:t>
+            </a:r>
+          </a:p>
+          <a:p>
+            <a:r>
+              <a:rPr lang="en-US" altLang="zh-CN" dirty="0"/>
+              <a:t>Optimizer should be *safe*.</a:t>
+            </a:r>
+          </a:p>
+          <a:p>
+            <a:pPr lvl="1"/>
+            <a:r>
+              <a:rPr lang="en-US" altLang="zh-CN" dirty="0"/>
+              <a:t>Dead store removal.</a:t>
+            </a:r>
+          </a:p>
+          <a:p>
+            <a:r>
+              <a:rPr lang="en-US" altLang="zh-CN" dirty="0"/>
+              <a:t>Using pointer may cause potential optimization problem.</a:t>
+            </a:r>
+          </a:p>
+          <a:p>
+            <a:r>
+              <a:rPr lang="en-US" altLang="zh-CN" dirty="0"/>
+              <a:t>Function call may cause potential optimization problem.</a:t>
+            </a:r>
+            <a:endParaRPr lang="zh-CN" altLang="en-US" dirty="0"/>
+          </a:p>
+        </p:txBody>
+      </p:sp>
+    </p:spTree>
+    <p:extLst>
+      <p:ext uri="{BB962C8B-B14F-4D97-AF65-F5344CB8AC3E}">
+        <p14:creationId xmlns:p14="http://schemas.microsoft.com/office/powerpoint/2010/main" val="1405020566"/>
+      </p:ext>
+    </p:extLst>
+  </p:cSld>
+  <p:clrMapOvr>
+    <a:masterClrMapping/>
+  </p:clrMapOvr>
+</p:sld>
+</file>
+
+<file path=ppt/slides/slide33.xml><?xml version="1.0" encoding="utf-8"?>
+<p:sld xmlns:a="http://schemas.openxmlformats.org/drawingml/2006/main" xmlns:r="http://schemas.openxmlformats.org/officeDocument/2006/relationships" xmlns:p="http://schemas.openxmlformats.org/presentationml/2006/main">
+  <p:cSld>
+    <p:spTree>
+      <p:nvGrpSpPr>
+        <p:cNvPr id="1" name=""/>
+        <p:cNvGrpSpPr/>
+        <p:nvPr/>
+      </p:nvGrpSpPr>
+      <p:grpSpPr>
+        <a:xfrm>
+          <a:off x="0" y="0"/>
+          <a:ext cx="0" cy="0"/>
+          <a:chOff x="0" y="0"/>
+          <a:chExt cx="0" cy="0"/>
+        </a:xfrm>
+      </p:grpSpPr>
+      <p:sp>
+        <p:nvSpPr>
+          <p:cNvPr id="2" name="标题 1">
+            <a:extLst>
+              <a:ext uri="{FF2B5EF4-FFF2-40B4-BE49-F238E27FC236}">
+                <a16:creationId xmlns:a16="http://schemas.microsoft.com/office/drawing/2014/main" id="{535EF3C4-25E7-4DC1-9603-BCE8221AC141}"/>
+              </a:ext>
+            </a:extLst>
+          </p:cNvPr>
+          <p:cNvSpPr>
+            <a:spLocks noGrp="1"/>
+          </p:cNvSpPr>
+          <p:nvPr>
+            <p:ph type="title"/>
+          </p:nvPr>
+        </p:nvSpPr>
+        <p:spPr/>
+        <p:txBody>
+          <a:bodyPr/>
+          <a:lstStyle/>
+          <a:p>
+            <a:r>
+              <a:rPr lang="en-US" altLang="zh-CN" dirty="0"/>
+              <a:t>Program Performance</a:t>
+            </a:r>
+            <a:endParaRPr lang="zh-CN" altLang="en-US" dirty="0"/>
+          </a:p>
+        </p:txBody>
+      </p:sp>
+      <p:sp>
+        <p:nvSpPr>
+          <p:cNvPr id="3" name="内容占位符 2">
+            <a:extLst>
+              <a:ext uri="{FF2B5EF4-FFF2-40B4-BE49-F238E27FC236}">
+                <a16:creationId xmlns:a16="http://schemas.microsoft.com/office/drawing/2014/main" id="{91B47FE0-64E9-4A6A-B699-B60AB94B4A7E}"/>
+              </a:ext>
+            </a:extLst>
+          </p:cNvPr>
+          <p:cNvSpPr>
+            <a:spLocks noGrp="1"/>
+          </p:cNvSpPr>
+          <p:nvPr>
+            <p:ph idx="1"/>
+          </p:nvPr>
+        </p:nvSpPr>
+        <p:spPr/>
+        <p:txBody>
+          <a:bodyPr/>
+          <a:lstStyle/>
+          <a:p>
+            <a:r>
+              <a:rPr lang="en-US" altLang="zh-CN" dirty="0"/>
+              <a:t>Remove procedure call.</a:t>
+            </a:r>
+          </a:p>
+          <a:p>
+            <a:r>
+              <a:rPr lang="en-US" altLang="zh-CN" dirty="0"/>
+              <a:t>Remove unnecessary memory reference.</a:t>
+            </a:r>
+          </a:p>
+          <a:p>
+            <a:r>
+              <a:rPr lang="en-US" altLang="zh-CN" dirty="0"/>
+              <a:t>Loop unrolling.</a:t>
+            </a:r>
+          </a:p>
+          <a:p>
+            <a:r>
+              <a:rPr lang="en-US" altLang="zh-CN" dirty="0"/>
+              <a:t>Improve parallel.</a:t>
+            </a:r>
+          </a:p>
+          <a:p>
+            <a:r>
+              <a:rPr lang="en-US" altLang="zh-CN" dirty="0"/>
+              <a:t>Branch prediction.</a:t>
+            </a:r>
+          </a:p>
+          <a:p>
+            <a:endParaRPr lang="en-US" altLang="zh-CN" dirty="0"/>
+          </a:p>
+          <a:p>
+            <a:r>
+              <a:rPr lang="en-US" altLang="zh-CN" dirty="0"/>
+              <a:t>《</a:t>
+            </a:r>
+            <a:r>
+              <a:rPr lang="zh-CN" altLang="en-US" dirty="0"/>
+              <a:t>代码整洁之道</a:t>
+            </a:r>
+            <a:r>
+              <a:rPr lang="en-US" altLang="zh-CN" dirty="0"/>
+              <a:t>》</a:t>
+            </a:r>
+          </a:p>
+          <a:p>
+            <a:r>
+              <a:rPr lang="en-US" altLang="zh-CN" dirty="0"/>
+              <a:t>《</a:t>
+            </a:r>
+            <a:r>
+              <a:rPr lang="zh-CN" altLang="en-US" dirty="0"/>
+              <a:t>重构：改善既有代码的设计</a:t>
+            </a:r>
+            <a:r>
+              <a:rPr lang="en-US" altLang="zh-CN" dirty="0"/>
+              <a:t>》</a:t>
+            </a:r>
+            <a:endParaRPr lang="zh-CN" altLang="en-US" dirty="0"/>
+          </a:p>
+        </p:txBody>
+      </p:sp>
+    </p:spTree>
+    <p:extLst>
+      <p:ext uri="{BB962C8B-B14F-4D97-AF65-F5344CB8AC3E}">
+        <p14:creationId xmlns:p14="http://schemas.microsoft.com/office/powerpoint/2010/main" val="2956655168"/>
+      </p:ext>
+    </p:extLst>
+  </p:cSld>
+  <p:clrMapOvr>
+    <a:masterClrMapping/>
+  </p:clrMapOvr>
+</p:sld>
+</file>
+
+<file path=ppt/slides/slide34.xml><?xml version="1.0" encoding="utf-8"?>
+<p:sld xmlns:a="http://schemas.openxmlformats.org/drawingml/2006/main" xmlns:r="http://schemas.openxmlformats.org/officeDocument/2006/relationships" xmlns:p="http://schemas.openxmlformats.org/presentationml/2006/main">
+  <p:cSld>
+    <p:spTree>
+      <p:nvGrpSpPr>
+        <p:cNvPr id="1" name=""/>
+        <p:cNvGrpSpPr/>
+        <p:nvPr/>
+      </p:nvGrpSpPr>
+      <p:grpSpPr>
+        <a:xfrm>
+          <a:off x="0" y="0"/>
+          <a:ext cx="0" cy="0"/>
+          <a:chOff x="0" y="0"/>
+          <a:chExt cx="0" cy="0"/>
+        </a:xfrm>
+      </p:grpSpPr>
+      <p:sp>
+        <p:nvSpPr>
+          <p:cNvPr id="2" name="标题 1">
+            <a:extLst>
+              <a:ext uri="{FF2B5EF4-FFF2-40B4-BE49-F238E27FC236}">
+                <a16:creationId xmlns:a16="http://schemas.microsoft.com/office/drawing/2014/main" id="{7E458028-2524-4A6D-970F-ECFF87713096}"/>
+              </a:ext>
+            </a:extLst>
+          </p:cNvPr>
+          <p:cNvSpPr>
+            <a:spLocks noGrp="1"/>
+          </p:cNvSpPr>
+          <p:nvPr>
+            <p:ph type="title"/>
+          </p:nvPr>
+        </p:nvSpPr>
+        <p:spPr/>
+        <p:txBody>
+          <a:bodyPr/>
+          <a:lstStyle/>
+          <a:p>
+            <a:r>
+              <a:rPr lang="en-US" altLang="zh-CN" dirty="0"/>
+              <a:t>Storage Hierarchy</a:t>
+            </a:r>
+            <a:endParaRPr lang="zh-CN" altLang="en-US" dirty="0"/>
+          </a:p>
+        </p:txBody>
+      </p:sp>
+      <p:sp>
+        <p:nvSpPr>
+          <p:cNvPr id="3" name="文本占位符 2">
+            <a:extLst>
+              <a:ext uri="{FF2B5EF4-FFF2-40B4-BE49-F238E27FC236}">
+                <a16:creationId xmlns:a16="http://schemas.microsoft.com/office/drawing/2014/main" id="{6D2129A6-F64D-4907-AC53-0BAC53E0A6D3}"/>
+              </a:ext>
+            </a:extLst>
+          </p:cNvPr>
+          <p:cNvSpPr>
+            <a:spLocks noGrp="1"/>
+          </p:cNvSpPr>
+          <p:nvPr>
+            <p:ph type="body" idx="1"/>
+          </p:nvPr>
+        </p:nvSpPr>
+        <p:spPr/>
+        <p:txBody>
+          <a:bodyPr/>
+          <a:lstStyle/>
+          <a:p>
+            <a:r>
+              <a:rPr lang="en-US" altLang="zh-CN" dirty="0"/>
+              <a:t>Chapter 4</a:t>
+            </a:r>
+            <a:endParaRPr lang="zh-CN" altLang="en-US" dirty="0"/>
+          </a:p>
+        </p:txBody>
+      </p:sp>
+    </p:spTree>
+    <p:extLst>
+      <p:ext uri="{BB962C8B-B14F-4D97-AF65-F5344CB8AC3E}">
+        <p14:creationId xmlns:p14="http://schemas.microsoft.com/office/powerpoint/2010/main" val="1749375136"/>
+      </p:ext>
+    </p:extLst>
+  </p:cSld>
+  <p:clrMapOvr>
+    <a:masterClrMapping/>
+  </p:clrMapOvr>
+</p:sld>
+</file>
+
+<file path=ppt/slides/slide35.xml><?xml version="1.0" encoding="utf-8"?>
+<p:sld xmlns:a="http://schemas.openxmlformats.org/drawingml/2006/main" xmlns:r="http://schemas.openxmlformats.org/officeDocument/2006/relationships" xmlns:p="http://schemas.openxmlformats.org/presentationml/2006/main">
+  <p:cSld>
+    <p:spTree>
+      <p:nvGrpSpPr>
+        <p:cNvPr id="1" name=""/>
+        <p:cNvGrpSpPr/>
+        <p:nvPr/>
+      </p:nvGrpSpPr>
+      <p:grpSpPr>
+        <a:xfrm>
+          <a:off x="0" y="0"/>
+          <a:ext cx="0" cy="0"/>
+          <a:chOff x="0" y="0"/>
+          <a:chExt cx="0" cy="0"/>
+        </a:xfrm>
+      </p:grpSpPr>
+      <p:sp>
+        <p:nvSpPr>
+          <p:cNvPr id="2" name="标题 1">
+            <a:extLst>
+              <a:ext uri="{FF2B5EF4-FFF2-40B4-BE49-F238E27FC236}">
+                <a16:creationId xmlns:a16="http://schemas.microsoft.com/office/drawing/2014/main" id="{6575F39B-D52C-49C2-9ABB-443CBE02DBD7}"/>
+              </a:ext>
+            </a:extLst>
+          </p:cNvPr>
+          <p:cNvSpPr>
+            <a:spLocks noGrp="1"/>
+          </p:cNvSpPr>
+          <p:nvPr>
+            <p:ph type="title"/>
+          </p:nvPr>
+        </p:nvSpPr>
+        <p:spPr/>
+        <p:txBody>
+          <a:bodyPr/>
+          <a:lstStyle/>
+          <a:p>
+            <a:r>
+              <a:rPr lang="en-US" altLang="zh-CN" dirty="0"/>
+              <a:t>Storage</a:t>
+            </a:r>
+            <a:endParaRPr lang="zh-CN" altLang="en-US" dirty="0"/>
+          </a:p>
+        </p:txBody>
+      </p:sp>
+      <p:sp>
+        <p:nvSpPr>
+          <p:cNvPr id="3" name="内容占位符 2">
+            <a:extLst>
+              <a:ext uri="{FF2B5EF4-FFF2-40B4-BE49-F238E27FC236}">
+                <a16:creationId xmlns:a16="http://schemas.microsoft.com/office/drawing/2014/main" id="{30871AB6-683B-4B39-A7E0-586773FBF3EF}"/>
+              </a:ext>
+            </a:extLst>
+          </p:cNvPr>
+          <p:cNvSpPr>
+            <a:spLocks noGrp="1"/>
+          </p:cNvSpPr>
+          <p:nvPr>
+            <p:ph idx="1"/>
+          </p:nvPr>
+        </p:nvSpPr>
+        <p:spPr/>
+        <p:txBody>
+          <a:bodyPr/>
+          <a:lstStyle/>
+          <a:p>
+            <a:r>
+              <a:rPr lang="en-US" altLang="zh-CN" dirty="0"/>
+              <a:t>RAM: Random Access Memory.</a:t>
+            </a:r>
+          </a:p>
+          <a:p>
+            <a:pPr lvl="1"/>
+            <a:r>
+              <a:rPr lang="en-US" altLang="zh-CN" dirty="0"/>
+              <a:t>SRAM: Static RAM.</a:t>
+            </a:r>
+          </a:p>
+          <a:p>
+            <a:pPr lvl="1"/>
+            <a:endParaRPr lang="en-US" altLang="zh-CN" dirty="0"/>
+          </a:p>
+          <a:p>
+            <a:pPr lvl="1"/>
+            <a:endParaRPr lang="en-US" altLang="zh-CN" dirty="0"/>
+          </a:p>
+          <a:p>
+            <a:pPr lvl="1"/>
+            <a:endParaRPr lang="en-US" altLang="zh-CN" dirty="0"/>
+          </a:p>
+          <a:p>
+            <a:pPr lvl="1"/>
+            <a:r>
+              <a:rPr lang="en-US" altLang="zh-CN" dirty="0"/>
+              <a:t>DRAM: Dynamic RAM.</a:t>
+            </a:r>
+          </a:p>
+          <a:p>
+            <a:r>
+              <a:rPr lang="en-US" altLang="zh-CN" dirty="0"/>
+              <a:t>Non-volatile memory: ROM, Read Only Memory.</a:t>
+            </a:r>
+          </a:p>
+        </p:txBody>
+      </p:sp>
+      <p:pic>
+        <p:nvPicPr>
+          <p:cNvPr id="5" name="图片 4">
+            <a:extLst>
+              <a:ext uri="{FF2B5EF4-FFF2-40B4-BE49-F238E27FC236}">
+                <a16:creationId xmlns:a16="http://schemas.microsoft.com/office/drawing/2014/main" id="{588FDC9B-9E11-4521-935B-3F80CC36C04C}"/>
+              </a:ext>
+            </a:extLst>
+          </p:cNvPr>
+          <p:cNvPicPr>
+            <a:picLocks noChangeAspect="1"/>
+          </p:cNvPicPr>
+          <p:nvPr/>
+        </p:nvPicPr>
+        <p:blipFill>
+          <a:blip r:embed="rId2"/>
+          <a:stretch>
+            <a:fillRect/>
+          </a:stretch>
+        </p:blipFill>
+        <p:spPr>
+          <a:xfrm>
+            <a:off x="838200" y="2673397"/>
+            <a:ext cx="4000000" cy="1228571"/>
+          </a:xfrm>
+          <a:prstGeom prst="rect">
+            <a:avLst/>
+          </a:prstGeom>
+        </p:spPr>
+      </p:pic>
+      <p:pic>
+        <p:nvPicPr>
+          <p:cNvPr id="7" name="图片 6">
+            <a:extLst>
+              <a:ext uri="{FF2B5EF4-FFF2-40B4-BE49-F238E27FC236}">
+                <a16:creationId xmlns:a16="http://schemas.microsoft.com/office/drawing/2014/main" id="{F808DC7A-B8F4-4C6F-B23D-0B2172290738}"/>
+              </a:ext>
+            </a:extLst>
+          </p:cNvPr>
+          <p:cNvPicPr>
+            <a:picLocks noChangeAspect="1"/>
+          </p:cNvPicPr>
+          <p:nvPr/>
+        </p:nvPicPr>
+        <p:blipFill>
+          <a:blip r:embed="rId3"/>
+          <a:stretch>
+            <a:fillRect/>
+          </a:stretch>
+        </p:blipFill>
+        <p:spPr>
+          <a:xfrm>
+            <a:off x="838200" y="4749740"/>
+            <a:ext cx="4914207" cy="1978243"/>
+          </a:xfrm>
+          <a:prstGeom prst="rect">
+            <a:avLst/>
+          </a:prstGeom>
+        </p:spPr>
+      </p:pic>
+    </p:spTree>
+    <p:extLst>
+      <p:ext uri="{BB962C8B-B14F-4D97-AF65-F5344CB8AC3E}">
+        <p14:creationId xmlns:p14="http://schemas.microsoft.com/office/powerpoint/2010/main" val="4273331795"/>
+      </p:ext>
+    </p:extLst>
+  </p:cSld>
+  <p:clrMapOvr>
+    <a:masterClrMapping/>
+  </p:clrMapOvr>
+</p:sld>
+</file>
+
+<file path=ppt/slides/slide36.xml><?xml version="1.0" encoding="utf-8"?>
+<p:sld xmlns:a="http://schemas.openxmlformats.org/drawingml/2006/main" xmlns:r="http://schemas.openxmlformats.org/officeDocument/2006/relationships" xmlns:p="http://schemas.openxmlformats.org/presentationml/2006/main">
+  <p:cSld>
+    <p:spTree>
+      <p:nvGrpSpPr>
+        <p:cNvPr id="1" name=""/>
+        <p:cNvGrpSpPr/>
+        <p:nvPr/>
+      </p:nvGrpSpPr>
+      <p:grpSpPr>
+        <a:xfrm>
+          <a:off x="0" y="0"/>
+          <a:ext cx="0" cy="0"/>
+          <a:chOff x="0" y="0"/>
+          <a:chExt cx="0" cy="0"/>
+        </a:xfrm>
+      </p:grpSpPr>
+      <p:sp>
+        <p:nvSpPr>
+          <p:cNvPr id="2" name="标题 1">
+            <a:extLst>
+              <a:ext uri="{FF2B5EF4-FFF2-40B4-BE49-F238E27FC236}">
+                <a16:creationId xmlns:a16="http://schemas.microsoft.com/office/drawing/2014/main" id="{AFF49BDE-E9E3-4D7B-8440-D47A5CF6E060}"/>
+              </a:ext>
+            </a:extLst>
+          </p:cNvPr>
+          <p:cNvSpPr>
+            <a:spLocks noGrp="1"/>
+          </p:cNvSpPr>
+          <p:nvPr>
+            <p:ph type="title"/>
+          </p:nvPr>
+        </p:nvSpPr>
+        <p:spPr/>
+        <p:txBody>
+          <a:bodyPr/>
+          <a:lstStyle/>
+          <a:p>
+            <a:r>
+              <a:rPr lang="en-US" altLang="zh-CN" dirty="0"/>
+              <a:t>Disk</a:t>
+            </a:r>
+            <a:endParaRPr lang="zh-CN" altLang="en-US" dirty="0"/>
+          </a:p>
+        </p:txBody>
+      </p:sp>
+      <p:sp>
+        <p:nvSpPr>
+          <p:cNvPr id="3" name="内容占位符 2">
+            <a:extLst>
+              <a:ext uri="{FF2B5EF4-FFF2-40B4-BE49-F238E27FC236}">
+                <a16:creationId xmlns:a16="http://schemas.microsoft.com/office/drawing/2014/main" id="{D281E588-0839-4C1C-8C2A-90DC94B20C07}"/>
+              </a:ext>
+            </a:extLst>
+          </p:cNvPr>
+          <p:cNvSpPr>
+            <a:spLocks noGrp="1"/>
+          </p:cNvSpPr>
+          <p:nvPr>
+            <p:ph idx="1"/>
+          </p:nvPr>
+        </p:nvSpPr>
+        <p:spPr/>
+        <p:txBody>
+          <a:bodyPr/>
+          <a:lstStyle/>
+          <a:p>
+            <a:endParaRPr lang="en-US" altLang="zh-CN" dirty="0"/>
+          </a:p>
+          <a:p>
+            <a:endParaRPr lang="en-US" altLang="zh-CN" dirty="0"/>
+          </a:p>
+          <a:p>
+            <a:endParaRPr lang="en-US" altLang="zh-CN" dirty="0"/>
+          </a:p>
+          <a:p>
+            <a:endParaRPr lang="en-US" altLang="zh-CN" dirty="0"/>
+          </a:p>
+          <a:p>
+            <a:r>
+              <a:rPr lang="en-US" altLang="zh-CN" dirty="0"/>
+              <a:t>Accessing</a:t>
+            </a:r>
+            <a:r>
+              <a:rPr lang="zh-CN" altLang="en-US" dirty="0"/>
+              <a:t> </a:t>
+            </a:r>
+            <a:r>
+              <a:rPr lang="en-US" altLang="zh-CN" dirty="0"/>
+              <a:t>of</a:t>
+            </a:r>
+            <a:r>
+              <a:rPr lang="zh-CN" altLang="en-US" dirty="0"/>
+              <a:t> </a:t>
+            </a:r>
+            <a:r>
+              <a:rPr lang="en-US" altLang="zh-CN" dirty="0"/>
+              <a:t>disk</a:t>
+            </a:r>
+            <a:r>
+              <a:rPr lang="zh-CN" altLang="en-US" dirty="0"/>
+              <a:t> </a:t>
+            </a:r>
+            <a:r>
+              <a:rPr lang="en-US" altLang="zh-CN" dirty="0"/>
+              <a:t>using</a:t>
+            </a:r>
+            <a:r>
+              <a:rPr lang="zh-CN" altLang="en-US" dirty="0"/>
+              <a:t> </a:t>
+            </a:r>
+            <a:r>
+              <a:rPr lang="en-US" altLang="zh-CN" dirty="0"/>
+              <a:t>read</a:t>
+            </a:r>
+            <a:r>
+              <a:rPr lang="zh-CN" altLang="en-US" dirty="0"/>
+              <a:t> </a:t>
+            </a:r>
+            <a:r>
+              <a:rPr lang="en-US" altLang="zh-CN" dirty="0"/>
+              <a:t>/</a:t>
+            </a:r>
+            <a:r>
+              <a:rPr lang="zh-CN" altLang="en-US" dirty="0"/>
+              <a:t> </a:t>
+            </a:r>
+            <a:r>
+              <a:rPr lang="en-US" altLang="zh-CN" dirty="0"/>
+              <a:t>write head.</a:t>
+            </a:r>
+          </a:p>
+        </p:txBody>
+      </p:sp>
+      <p:pic>
+        <p:nvPicPr>
+          <p:cNvPr id="5" name="图片 4">
+            <a:extLst>
+              <a:ext uri="{FF2B5EF4-FFF2-40B4-BE49-F238E27FC236}">
+                <a16:creationId xmlns:a16="http://schemas.microsoft.com/office/drawing/2014/main" id="{7195F633-9BC4-42D2-B12D-D347E30FEB4A}"/>
+              </a:ext>
+            </a:extLst>
+          </p:cNvPr>
+          <p:cNvPicPr>
+            <a:picLocks noChangeAspect="1"/>
+          </p:cNvPicPr>
+          <p:nvPr/>
+        </p:nvPicPr>
+        <p:blipFill>
+          <a:blip r:embed="rId2"/>
+          <a:stretch>
+            <a:fillRect/>
+          </a:stretch>
+        </p:blipFill>
+        <p:spPr>
+          <a:xfrm>
+            <a:off x="838200" y="1583276"/>
+            <a:ext cx="5942857" cy="2161905"/>
+          </a:xfrm>
+          <a:prstGeom prst="rect">
+            <a:avLst/>
+          </a:prstGeom>
+        </p:spPr>
+      </p:pic>
+      <p:pic>
+        <p:nvPicPr>
+          <p:cNvPr id="7" name="图片 6">
+            <a:extLst>
+              <a:ext uri="{FF2B5EF4-FFF2-40B4-BE49-F238E27FC236}">
+                <a16:creationId xmlns:a16="http://schemas.microsoft.com/office/drawing/2014/main" id="{1BF5CF10-6E58-4AAE-9C3F-AFDE5311F419}"/>
+              </a:ext>
+            </a:extLst>
+          </p:cNvPr>
+          <p:cNvPicPr>
+            <a:picLocks noChangeAspect="1"/>
+          </p:cNvPicPr>
+          <p:nvPr/>
+        </p:nvPicPr>
+        <p:blipFill>
+          <a:blip r:embed="rId3"/>
+          <a:stretch>
+            <a:fillRect/>
+          </a:stretch>
+        </p:blipFill>
+        <p:spPr>
+          <a:xfrm>
+            <a:off x="838200" y="4402338"/>
+            <a:ext cx="5952381" cy="2276190"/>
+          </a:xfrm>
+          <a:prstGeom prst="rect">
+            <a:avLst/>
+          </a:prstGeom>
+        </p:spPr>
+      </p:pic>
+    </p:spTree>
+    <p:extLst>
+      <p:ext uri="{BB962C8B-B14F-4D97-AF65-F5344CB8AC3E}">
+        <p14:creationId xmlns:p14="http://schemas.microsoft.com/office/powerpoint/2010/main" val="2314987349"/>
+      </p:ext>
+    </p:extLst>
+  </p:cSld>
+  <p:clrMapOvr>
+    <a:masterClrMapping/>
+  </p:clrMapOvr>
+</p:sld>
+</file>
+
+<file path=ppt/slides/slide37.xml><?xml version="1.0" encoding="utf-8"?>
+<p:sld xmlns:a="http://schemas.openxmlformats.org/drawingml/2006/main" xmlns:r="http://schemas.openxmlformats.org/officeDocument/2006/relationships" xmlns:p="http://schemas.openxmlformats.org/presentationml/2006/main">
+  <p:cSld>
+    <p:spTree>
+      <p:nvGrpSpPr>
+        <p:cNvPr id="1" name=""/>
+        <p:cNvGrpSpPr/>
+        <p:nvPr/>
+      </p:nvGrpSpPr>
+      <p:grpSpPr>
+        <a:xfrm>
+          <a:off x="0" y="0"/>
+          <a:ext cx="0" cy="0"/>
+          <a:chOff x="0" y="0"/>
+          <a:chExt cx="0" cy="0"/>
+        </a:xfrm>
+      </p:grpSpPr>
+      <p:sp>
+        <p:nvSpPr>
+          <p:cNvPr id="2" name="标题 1">
+            <a:extLst>
+              <a:ext uri="{FF2B5EF4-FFF2-40B4-BE49-F238E27FC236}">
+                <a16:creationId xmlns:a16="http://schemas.microsoft.com/office/drawing/2014/main" id="{ADE02BA9-FDD2-4836-8A98-626E89E737C7}"/>
+              </a:ext>
+            </a:extLst>
+          </p:cNvPr>
+          <p:cNvSpPr>
+            <a:spLocks noGrp="1"/>
+          </p:cNvSpPr>
+          <p:nvPr>
+            <p:ph type="title"/>
+          </p:nvPr>
+        </p:nvSpPr>
+        <p:spPr/>
+        <p:txBody>
+          <a:bodyPr/>
+          <a:lstStyle/>
+          <a:p>
+            <a:r>
+              <a:rPr lang="en-US" altLang="zh-CN" dirty="0"/>
+              <a:t>Solid State Disk, SSD</a:t>
+            </a:r>
+            <a:endParaRPr lang="zh-CN" altLang="en-US" dirty="0"/>
+          </a:p>
+        </p:txBody>
+      </p:sp>
+      <p:sp>
+        <p:nvSpPr>
+          <p:cNvPr id="3" name="内容占位符 2">
+            <a:extLst>
+              <a:ext uri="{FF2B5EF4-FFF2-40B4-BE49-F238E27FC236}">
+                <a16:creationId xmlns:a16="http://schemas.microsoft.com/office/drawing/2014/main" id="{17B3C6CB-ACB2-41D1-AC29-210B610A5DC4}"/>
+              </a:ext>
+            </a:extLst>
+          </p:cNvPr>
+          <p:cNvSpPr>
+            <a:spLocks noGrp="1"/>
+          </p:cNvSpPr>
+          <p:nvPr>
+            <p:ph idx="1"/>
+          </p:nvPr>
+        </p:nvSpPr>
+        <p:spPr/>
+        <p:txBody>
+          <a:bodyPr/>
+          <a:lstStyle/>
+          <a:p>
+            <a:r>
+              <a:rPr lang="en-US" altLang="zh-CN" dirty="0"/>
+              <a:t>Each page is 512 bytes to 4 kb.</a:t>
+            </a:r>
+          </a:p>
+          <a:p>
+            <a:r>
+              <a:rPr lang="en-US" altLang="zh-CN" dirty="0"/>
+              <a:t>Read / write a whole page each time.</a:t>
+            </a:r>
+          </a:p>
+          <a:p>
+            <a:r>
+              <a:rPr lang="en-US" altLang="zh-CN" dirty="0"/>
+              <a:t>After r / w 100 000 times the page is broken.</a:t>
+            </a:r>
+          </a:p>
+          <a:p>
+            <a:endParaRPr lang="zh-CN" altLang="en-US" dirty="0"/>
+          </a:p>
+        </p:txBody>
+      </p:sp>
+      <p:pic>
+        <p:nvPicPr>
+          <p:cNvPr id="5" name="图片 4">
+            <a:extLst>
+              <a:ext uri="{FF2B5EF4-FFF2-40B4-BE49-F238E27FC236}">
+                <a16:creationId xmlns:a16="http://schemas.microsoft.com/office/drawing/2014/main" id="{A760CE99-E1F8-4252-97A8-018591A40CD6}"/>
+              </a:ext>
+            </a:extLst>
+          </p:cNvPr>
+          <p:cNvPicPr>
+            <a:picLocks noChangeAspect="1"/>
+          </p:cNvPicPr>
+          <p:nvPr/>
+        </p:nvPicPr>
+        <p:blipFill>
+          <a:blip r:embed="rId2"/>
+          <a:stretch>
+            <a:fillRect/>
+          </a:stretch>
+        </p:blipFill>
+        <p:spPr>
+          <a:xfrm>
+            <a:off x="838200" y="3349372"/>
+            <a:ext cx="4590476" cy="1971429"/>
+          </a:xfrm>
+          <a:prstGeom prst="rect">
+            <a:avLst/>
+          </a:prstGeom>
+        </p:spPr>
+      </p:pic>
+    </p:spTree>
+    <p:extLst>
+      <p:ext uri="{BB962C8B-B14F-4D97-AF65-F5344CB8AC3E}">
+        <p14:creationId xmlns:p14="http://schemas.microsoft.com/office/powerpoint/2010/main" val="755636439"/>
+      </p:ext>
+    </p:extLst>
+  </p:cSld>
+  <p:clrMapOvr>
+    <a:masterClrMapping/>
+  </p:clrMapOvr>
+</p:sld>
+</file>
+
+<file path=ppt/slides/slide38.xml><?xml version="1.0" encoding="utf-8"?>
+<p:sld xmlns:a="http://schemas.openxmlformats.org/drawingml/2006/main" xmlns:r="http://schemas.openxmlformats.org/officeDocument/2006/relationships" xmlns:p="http://schemas.openxmlformats.org/presentationml/2006/main">
+  <p:cSld>
+    <p:spTree>
+      <p:nvGrpSpPr>
+        <p:cNvPr id="1" name=""/>
+        <p:cNvGrpSpPr/>
+        <p:nvPr/>
+      </p:nvGrpSpPr>
+      <p:grpSpPr>
+        <a:xfrm>
+          <a:off x="0" y="0"/>
+          <a:ext cx="0" cy="0"/>
+          <a:chOff x="0" y="0"/>
+          <a:chExt cx="0" cy="0"/>
+        </a:xfrm>
+      </p:grpSpPr>
+      <p:sp>
+        <p:nvSpPr>
+          <p:cNvPr id="2" name="标题 1">
+            <a:extLst>
+              <a:ext uri="{FF2B5EF4-FFF2-40B4-BE49-F238E27FC236}">
+                <a16:creationId xmlns:a16="http://schemas.microsoft.com/office/drawing/2014/main" id="{360F686C-E96A-4425-9144-416F37B327B4}"/>
+              </a:ext>
+            </a:extLst>
+          </p:cNvPr>
+          <p:cNvSpPr>
+            <a:spLocks noGrp="1"/>
+          </p:cNvSpPr>
+          <p:nvPr>
+            <p:ph type="title"/>
+          </p:nvPr>
+        </p:nvSpPr>
+        <p:spPr/>
+        <p:txBody>
+          <a:bodyPr/>
+          <a:lstStyle/>
+          <a:p>
+            <a:r>
+              <a:rPr lang="en-US" altLang="zh-CN" dirty="0"/>
+              <a:t>Access Time</a:t>
+            </a:r>
+            <a:endParaRPr lang="zh-CN" altLang="en-US" dirty="0"/>
+          </a:p>
+        </p:txBody>
+      </p:sp>
+      <p:sp>
+        <p:nvSpPr>
+          <p:cNvPr id="3" name="内容占位符 2">
+            <a:extLst>
+              <a:ext uri="{FF2B5EF4-FFF2-40B4-BE49-F238E27FC236}">
+                <a16:creationId xmlns:a16="http://schemas.microsoft.com/office/drawing/2014/main" id="{673D688A-4A58-4705-8436-A598CCC8937D}"/>
+              </a:ext>
+            </a:extLst>
+          </p:cNvPr>
+          <p:cNvSpPr>
+            <a:spLocks noGrp="1"/>
+          </p:cNvSpPr>
+          <p:nvPr>
+            <p:ph idx="1"/>
+          </p:nvPr>
+        </p:nvSpPr>
+        <p:spPr/>
+        <p:txBody>
+          <a:bodyPr/>
+          <a:lstStyle/>
+          <a:p>
+            <a:r>
+              <a:rPr lang="en-US" altLang="zh-CN" dirty="0"/>
+              <a:t>SRAM: 1-2 ns</a:t>
+            </a:r>
+          </a:p>
+          <a:p>
+            <a:r>
+              <a:rPr lang="en-US" altLang="zh-CN" dirty="0"/>
+              <a:t>DRAM: 10-20 ns</a:t>
+            </a:r>
+          </a:p>
+          <a:p>
+            <a:r>
+              <a:rPr lang="en-US" altLang="zh-CN" dirty="0"/>
+              <a:t>Disk: 1-5 </a:t>
+            </a:r>
+            <a:r>
+              <a:rPr lang="en-US" altLang="zh-CN" dirty="0" err="1"/>
+              <a:t>ms</a:t>
+            </a:r>
+            <a:endParaRPr lang="en-US" altLang="zh-CN" dirty="0"/>
+          </a:p>
+          <a:p>
+            <a:r>
+              <a:rPr lang="en-US" altLang="zh-CN" dirty="0"/>
+              <a:t>CPU: 0.1-0.5 ns</a:t>
+            </a:r>
+          </a:p>
+          <a:p>
+            <a:r>
+              <a:rPr lang="en-US" altLang="zh-CN" dirty="0"/>
+              <a:t>Network: ?</a:t>
+            </a:r>
+            <a:endParaRPr lang="zh-CN" altLang="en-US" dirty="0"/>
+          </a:p>
+        </p:txBody>
+      </p:sp>
+    </p:spTree>
+    <p:extLst>
+      <p:ext uri="{BB962C8B-B14F-4D97-AF65-F5344CB8AC3E}">
+        <p14:creationId xmlns:p14="http://schemas.microsoft.com/office/powerpoint/2010/main" val="1693949411"/>
+      </p:ext>
+    </p:extLst>
+  </p:cSld>
+  <p:clrMapOvr>
+    <a:masterClrMapping/>
+  </p:clrMapOvr>
+</p:sld>
+</file>
+
+<file path=ppt/slides/slide39.xml><?xml version="1.0" encoding="utf-8"?>
+<p:sld xmlns:a="http://schemas.openxmlformats.org/drawingml/2006/main" xmlns:r="http://schemas.openxmlformats.org/officeDocument/2006/relationships" xmlns:p="http://schemas.openxmlformats.org/presentationml/2006/main">
+  <p:cSld>
+    <p:spTree>
+      <p:nvGrpSpPr>
+        <p:cNvPr id="1" name=""/>
+        <p:cNvGrpSpPr/>
+        <p:nvPr/>
+      </p:nvGrpSpPr>
+      <p:grpSpPr>
+        <a:xfrm>
+          <a:off x="0" y="0"/>
+          <a:ext cx="0" cy="0"/>
+          <a:chOff x="0" y="0"/>
+          <a:chExt cx="0" cy="0"/>
+        </a:xfrm>
+      </p:grpSpPr>
+      <p:sp>
+        <p:nvSpPr>
+          <p:cNvPr id="2" name="标题 1">
+            <a:extLst>
+              <a:ext uri="{FF2B5EF4-FFF2-40B4-BE49-F238E27FC236}">
+                <a16:creationId xmlns:a16="http://schemas.microsoft.com/office/drawing/2014/main" id="{CC8C29A9-8040-415D-8EE9-80976C8FDB5A}"/>
+              </a:ext>
+            </a:extLst>
+          </p:cNvPr>
+          <p:cNvSpPr>
+            <a:spLocks noGrp="1"/>
+          </p:cNvSpPr>
+          <p:nvPr>
+            <p:ph type="title"/>
+          </p:nvPr>
+        </p:nvSpPr>
+        <p:spPr/>
+        <p:txBody>
+          <a:bodyPr/>
+          <a:lstStyle/>
+          <a:p>
+            <a:r>
+              <a:rPr lang="en-US" altLang="zh-CN" dirty="0"/>
+              <a:t>Storage Hierarchy</a:t>
+            </a:r>
+            <a:endParaRPr lang="zh-CN" altLang="en-US" dirty="0"/>
+          </a:p>
+        </p:txBody>
+      </p:sp>
+      <p:pic>
+        <p:nvPicPr>
+          <p:cNvPr id="5" name="内容占位符 4">
+            <a:extLst>
+              <a:ext uri="{FF2B5EF4-FFF2-40B4-BE49-F238E27FC236}">
+                <a16:creationId xmlns:a16="http://schemas.microsoft.com/office/drawing/2014/main" id="{B7388DB2-F96F-4413-8661-736890354421}"/>
+              </a:ext>
+            </a:extLst>
+          </p:cNvPr>
+          <p:cNvPicPr>
+            <a:picLocks noGrp="1" noChangeAspect="1"/>
+          </p:cNvPicPr>
+          <p:nvPr>
+            <p:ph idx="1"/>
+          </p:nvPr>
+        </p:nvPicPr>
+        <p:blipFill>
+          <a:blip r:embed="rId2"/>
+          <a:stretch>
+            <a:fillRect/>
+          </a:stretch>
+        </p:blipFill>
+        <p:spPr>
+          <a:xfrm>
+            <a:off x="838200" y="1870078"/>
+            <a:ext cx="5952381" cy="3514286"/>
+          </a:xfrm>
+        </p:spPr>
+      </p:pic>
+    </p:spTree>
+    <p:extLst>
+      <p:ext uri="{BB962C8B-B14F-4D97-AF65-F5344CB8AC3E}">
+        <p14:creationId xmlns:p14="http://schemas.microsoft.com/office/powerpoint/2010/main" val="923002741"/>
+      </p:ext>
+    </p:extLst>
+  </p:cSld>
+  <p:clrMapOvr>
+    <a:masterClrMapping/>
+  </p:clrMapOvr>
+</p:sld>
+</file>
+
 <file path=ppt/slides/slide4.xml><?xml version="1.0" encoding="utf-8"?>
 <p:sld xmlns:a="http://schemas.openxmlformats.org/drawingml/2006/main" xmlns:r="http://schemas.openxmlformats.org/officeDocument/2006/relationships" xmlns:p="http://schemas.openxmlformats.org/presentationml/2006/main">
   <p:cSld>
@@ -6417,6 +8173,1233 @@
 </p:sld>
 </file>
 
+<file path=ppt/slides/slide40.xml><?xml version="1.0" encoding="utf-8"?>
+<p:sld xmlns:a="http://schemas.openxmlformats.org/drawingml/2006/main" xmlns:r="http://schemas.openxmlformats.org/officeDocument/2006/relationships" xmlns:p="http://schemas.openxmlformats.org/presentationml/2006/main">
+  <p:cSld>
+    <p:spTree>
+      <p:nvGrpSpPr>
+        <p:cNvPr id="1" name=""/>
+        <p:cNvGrpSpPr/>
+        <p:nvPr/>
+      </p:nvGrpSpPr>
+      <p:grpSpPr>
+        <a:xfrm>
+          <a:off x="0" y="0"/>
+          <a:ext cx="0" cy="0"/>
+          <a:chOff x="0" y="0"/>
+          <a:chExt cx="0" cy="0"/>
+        </a:xfrm>
+      </p:grpSpPr>
+      <p:sp>
+        <p:nvSpPr>
+          <p:cNvPr id="2" name="标题 1">
+            <a:extLst>
+              <a:ext uri="{FF2B5EF4-FFF2-40B4-BE49-F238E27FC236}">
+                <a16:creationId xmlns:a16="http://schemas.microsoft.com/office/drawing/2014/main" id="{A135A725-82ED-43B4-B5F6-E829E7C7C934}"/>
+              </a:ext>
+            </a:extLst>
+          </p:cNvPr>
+          <p:cNvSpPr>
+            <a:spLocks noGrp="1"/>
+          </p:cNvSpPr>
+          <p:nvPr>
+            <p:ph type="title"/>
+          </p:nvPr>
+        </p:nvSpPr>
+        <p:spPr/>
+        <p:txBody>
+          <a:bodyPr/>
+          <a:lstStyle/>
+          <a:p>
+            <a:r>
+              <a:rPr lang="en-US" altLang="zh-CN" dirty="0"/>
+              <a:t>Storage Hierarchy</a:t>
+            </a:r>
+            <a:endParaRPr lang="zh-CN" altLang="en-US" dirty="0"/>
+          </a:p>
+        </p:txBody>
+      </p:sp>
+      <p:sp>
+        <p:nvSpPr>
+          <p:cNvPr id="3" name="内容占位符 2">
+            <a:extLst>
+              <a:ext uri="{FF2B5EF4-FFF2-40B4-BE49-F238E27FC236}">
+                <a16:creationId xmlns:a16="http://schemas.microsoft.com/office/drawing/2014/main" id="{6AA4ECA0-9410-4377-B951-F512B0DC1BB3}"/>
+              </a:ext>
+            </a:extLst>
+          </p:cNvPr>
+          <p:cNvSpPr>
+            <a:spLocks noGrp="1"/>
+          </p:cNvSpPr>
+          <p:nvPr>
+            <p:ph idx="1"/>
+          </p:nvPr>
+        </p:nvSpPr>
+        <p:spPr/>
+        <p:txBody>
+          <a:bodyPr/>
+          <a:lstStyle/>
+          <a:p>
+            <a:r>
+              <a:rPr lang="en-US" altLang="zh-CN" dirty="0"/>
+              <a:t>Cache: store frequently data in high speed storage.</a:t>
+            </a:r>
+          </a:p>
+          <a:p>
+            <a:r>
+              <a:rPr lang="en-US" altLang="zh-CN" dirty="0"/>
+              <a:t>Cache hit / miss.</a:t>
+            </a:r>
+          </a:p>
+          <a:p>
+            <a:r>
+              <a:rPr lang="en-US" altLang="zh-CN" dirty="0"/>
+              <a:t>Cache policy:</a:t>
+            </a:r>
+          </a:p>
+          <a:p>
+            <a:pPr lvl="1"/>
+            <a:r>
+              <a:rPr lang="en-US" altLang="zh-CN" dirty="0"/>
+              <a:t>General high speed storage hierarchy.</a:t>
+            </a:r>
+          </a:p>
+          <a:p>
+            <a:pPr lvl="1"/>
+            <a:r>
+              <a:rPr lang="en-US" altLang="zh-CN" dirty="0"/>
+              <a:t>Direct mapping cache.</a:t>
+            </a:r>
+          </a:p>
+          <a:p>
+            <a:pPr lvl="1"/>
+            <a:r>
+              <a:rPr lang="en-US" altLang="zh-CN" dirty="0"/>
+              <a:t>Set associative cache.</a:t>
+            </a:r>
+          </a:p>
+          <a:p>
+            <a:pPr lvl="1"/>
+            <a:r>
+              <a:rPr lang="en-US" altLang="zh-CN" dirty="0"/>
+              <a:t>Fully associative cache.</a:t>
+            </a:r>
+          </a:p>
+          <a:p>
+            <a:pPr lvl="1"/>
+            <a:r>
+              <a:rPr lang="en-US" altLang="zh-CN" dirty="0"/>
+              <a:t>Write through vs. write back.</a:t>
+            </a:r>
+          </a:p>
+        </p:txBody>
+      </p:sp>
+    </p:spTree>
+    <p:extLst>
+      <p:ext uri="{BB962C8B-B14F-4D97-AF65-F5344CB8AC3E}">
+        <p14:creationId xmlns:p14="http://schemas.microsoft.com/office/powerpoint/2010/main" val="84601225"/>
+      </p:ext>
+    </p:extLst>
+  </p:cSld>
+  <p:clrMapOvr>
+    <a:masterClrMapping/>
+  </p:clrMapOvr>
+</p:sld>
+</file>
+
+<file path=ppt/slides/slide41.xml><?xml version="1.0" encoding="utf-8"?>
+<p:sld xmlns:a="http://schemas.openxmlformats.org/drawingml/2006/main" xmlns:r="http://schemas.openxmlformats.org/officeDocument/2006/relationships" xmlns:p="http://schemas.openxmlformats.org/presentationml/2006/main">
+  <p:cSld>
+    <p:spTree>
+      <p:nvGrpSpPr>
+        <p:cNvPr id="1" name=""/>
+        <p:cNvGrpSpPr/>
+        <p:nvPr/>
+      </p:nvGrpSpPr>
+      <p:grpSpPr>
+        <a:xfrm>
+          <a:off x="0" y="0"/>
+          <a:ext cx="0" cy="0"/>
+          <a:chOff x="0" y="0"/>
+          <a:chExt cx="0" cy="0"/>
+        </a:xfrm>
+      </p:grpSpPr>
+      <p:sp>
+        <p:nvSpPr>
+          <p:cNvPr id="2" name="标题 1">
+            <a:extLst>
+              <a:ext uri="{FF2B5EF4-FFF2-40B4-BE49-F238E27FC236}">
+                <a16:creationId xmlns:a16="http://schemas.microsoft.com/office/drawing/2014/main" id="{7D98B2A8-0C3C-41AD-BC57-0CBD1DEA0BC0}"/>
+              </a:ext>
+            </a:extLst>
+          </p:cNvPr>
+          <p:cNvSpPr>
+            <a:spLocks noGrp="1"/>
+          </p:cNvSpPr>
+          <p:nvPr>
+            <p:ph type="title"/>
+          </p:nvPr>
+        </p:nvSpPr>
+        <p:spPr/>
+        <p:txBody>
+          <a:bodyPr/>
+          <a:lstStyle/>
+          <a:p>
+            <a:r>
+              <a:rPr lang="en-US" altLang="zh-CN" dirty="0"/>
+              <a:t>General High Speed Storage Hierarchy</a:t>
+            </a:r>
+            <a:endParaRPr lang="zh-CN" altLang="en-US" dirty="0"/>
+          </a:p>
+        </p:txBody>
+      </p:sp>
+      <p:pic>
+        <p:nvPicPr>
+          <p:cNvPr id="5" name="内容占位符 4">
+            <a:extLst>
+              <a:ext uri="{FF2B5EF4-FFF2-40B4-BE49-F238E27FC236}">
+                <a16:creationId xmlns:a16="http://schemas.microsoft.com/office/drawing/2014/main" id="{CA492DFB-F251-47FF-BC07-0C5DFEE3A228}"/>
+              </a:ext>
+            </a:extLst>
+          </p:cNvPr>
+          <p:cNvPicPr>
+            <a:picLocks noGrp="1" noChangeAspect="1"/>
+          </p:cNvPicPr>
+          <p:nvPr>
+            <p:ph idx="1"/>
+          </p:nvPr>
+        </p:nvPicPr>
+        <p:blipFill>
+          <a:blip r:embed="rId2"/>
+          <a:stretch>
+            <a:fillRect/>
+          </a:stretch>
+        </p:blipFill>
+        <p:spPr>
+          <a:xfrm>
+            <a:off x="838200" y="1690688"/>
+            <a:ext cx="3904762" cy="3866667"/>
+          </a:xfrm>
+        </p:spPr>
+      </p:pic>
+    </p:spTree>
+    <p:extLst>
+      <p:ext uri="{BB962C8B-B14F-4D97-AF65-F5344CB8AC3E}">
+        <p14:creationId xmlns:p14="http://schemas.microsoft.com/office/powerpoint/2010/main" val="399140894"/>
+      </p:ext>
+    </p:extLst>
+  </p:cSld>
+  <p:clrMapOvr>
+    <a:masterClrMapping/>
+  </p:clrMapOvr>
+</p:sld>
+</file>
+
+<file path=ppt/slides/slide42.xml><?xml version="1.0" encoding="utf-8"?>
+<p:sld xmlns:a="http://schemas.openxmlformats.org/drawingml/2006/main" xmlns:r="http://schemas.openxmlformats.org/officeDocument/2006/relationships" xmlns:p="http://schemas.openxmlformats.org/presentationml/2006/main">
+  <p:cSld>
+    <p:spTree>
+      <p:nvGrpSpPr>
+        <p:cNvPr id="1" name=""/>
+        <p:cNvGrpSpPr/>
+        <p:nvPr/>
+      </p:nvGrpSpPr>
+      <p:grpSpPr>
+        <a:xfrm>
+          <a:off x="0" y="0"/>
+          <a:ext cx="0" cy="0"/>
+          <a:chOff x="0" y="0"/>
+          <a:chExt cx="0" cy="0"/>
+        </a:xfrm>
+      </p:grpSpPr>
+      <p:sp>
+        <p:nvSpPr>
+          <p:cNvPr id="2" name="标题 1">
+            <a:extLst>
+              <a:ext uri="{FF2B5EF4-FFF2-40B4-BE49-F238E27FC236}">
+                <a16:creationId xmlns:a16="http://schemas.microsoft.com/office/drawing/2014/main" id="{E37ADB17-3D71-48E7-8C06-F219911577AB}"/>
+              </a:ext>
+            </a:extLst>
+          </p:cNvPr>
+          <p:cNvSpPr>
+            <a:spLocks noGrp="1"/>
+          </p:cNvSpPr>
+          <p:nvPr>
+            <p:ph type="title"/>
+          </p:nvPr>
+        </p:nvSpPr>
+        <p:spPr/>
+        <p:txBody>
+          <a:bodyPr/>
+          <a:lstStyle/>
+          <a:p>
+            <a:r>
+              <a:rPr lang="en-US" altLang="zh-CN" dirty="0"/>
+              <a:t>Core i7 High Speed Storage Cache</a:t>
+            </a:r>
+            <a:endParaRPr lang="zh-CN" altLang="en-US" dirty="0"/>
+          </a:p>
+        </p:txBody>
+      </p:sp>
+      <p:pic>
+        <p:nvPicPr>
+          <p:cNvPr id="5" name="内容占位符 4">
+            <a:extLst>
+              <a:ext uri="{FF2B5EF4-FFF2-40B4-BE49-F238E27FC236}">
+                <a16:creationId xmlns:a16="http://schemas.microsoft.com/office/drawing/2014/main" id="{46F570F2-D3CD-43FB-9FFB-14A5B1E71E84}"/>
+              </a:ext>
+            </a:extLst>
+          </p:cNvPr>
+          <p:cNvPicPr>
+            <a:picLocks noGrp="1" noChangeAspect="1"/>
+          </p:cNvPicPr>
+          <p:nvPr>
+            <p:ph idx="1"/>
+          </p:nvPr>
+        </p:nvPicPr>
+        <p:blipFill>
+          <a:blip r:embed="rId2"/>
+          <a:stretch>
+            <a:fillRect/>
+          </a:stretch>
+        </p:blipFill>
+        <p:spPr>
+          <a:xfrm>
+            <a:off x="838200" y="1690688"/>
+            <a:ext cx="3580952" cy="3219048"/>
+          </a:xfrm>
+        </p:spPr>
+      </p:pic>
+    </p:spTree>
+    <p:extLst>
+      <p:ext uri="{BB962C8B-B14F-4D97-AF65-F5344CB8AC3E}">
+        <p14:creationId xmlns:p14="http://schemas.microsoft.com/office/powerpoint/2010/main" val="1257167674"/>
+      </p:ext>
+    </p:extLst>
+  </p:cSld>
+  <p:clrMapOvr>
+    <a:masterClrMapping/>
+  </p:clrMapOvr>
+</p:sld>
+</file>
+
+<file path=ppt/slides/slide43.xml><?xml version="1.0" encoding="utf-8"?>
+<p:sld xmlns:a="http://schemas.openxmlformats.org/drawingml/2006/main" xmlns:r="http://schemas.openxmlformats.org/officeDocument/2006/relationships" xmlns:p="http://schemas.openxmlformats.org/presentationml/2006/main">
+  <p:cSld>
+    <p:spTree>
+      <p:nvGrpSpPr>
+        <p:cNvPr id="1" name=""/>
+        <p:cNvGrpSpPr/>
+        <p:nvPr/>
+      </p:nvGrpSpPr>
+      <p:grpSpPr>
+        <a:xfrm>
+          <a:off x="0" y="0"/>
+          <a:ext cx="0" cy="0"/>
+          <a:chOff x="0" y="0"/>
+          <a:chExt cx="0" cy="0"/>
+        </a:xfrm>
+      </p:grpSpPr>
+      <p:sp>
+        <p:nvSpPr>
+          <p:cNvPr id="2" name="标题 1">
+            <a:extLst>
+              <a:ext uri="{FF2B5EF4-FFF2-40B4-BE49-F238E27FC236}">
+                <a16:creationId xmlns:a16="http://schemas.microsoft.com/office/drawing/2014/main" id="{49DB5B14-52FE-4C37-B936-5596A5011B82}"/>
+              </a:ext>
+            </a:extLst>
+          </p:cNvPr>
+          <p:cNvSpPr>
+            <a:spLocks noGrp="1"/>
+          </p:cNvSpPr>
+          <p:nvPr>
+            <p:ph type="title"/>
+          </p:nvPr>
+        </p:nvSpPr>
+        <p:spPr/>
+        <p:txBody>
+          <a:bodyPr/>
+          <a:lstStyle/>
+          <a:p>
+            <a:r>
+              <a:rPr lang="en-US" altLang="zh-CN" dirty="0"/>
+              <a:t>Running of Program</a:t>
+            </a:r>
+            <a:endParaRPr lang="zh-CN" altLang="en-US" dirty="0"/>
+          </a:p>
+        </p:txBody>
+      </p:sp>
+      <p:sp>
+        <p:nvSpPr>
+          <p:cNvPr id="3" name="文本占位符 2">
+            <a:extLst>
+              <a:ext uri="{FF2B5EF4-FFF2-40B4-BE49-F238E27FC236}">
+                <a16:creationId xmlns:a16="http://schemas.microsoft.com/office/drawing/2014/main" id="{C8C91D29-39F8-486A-B50A-2EE1DB682698}"/>
+              </a:ext>
+            </a:extLst>
+          </p:cNvPr>
+          <p:cNvSpPr>
+            <a:spLocks noGrp="1"/>
+          </p:cNvSpPr>
+          <p:nvPr>
+            <p:ph type="body" idx="1"/>
+          </p:nvPr>
+        </p:nvSpPr>
+        <p:spPr/>
+        <p:txBody>
+          <a:bodyPr/>
+          <a:lstStyle/>
+          <a:p>
+            <a:r>
+              <a:rPr lang="en-US" altLang="zh-CN" dirty="0"/>
+              <a:t>Chapter 5</a:t>
+            </a:r>
+            <a:endParaRPr lang="zh-CN" altLang="en-US" dirty="0"/>
+          </a:p>
+        </p:txBody>
+      </p:sp>
+    </p:spTree>
+    <p:extLst>
+      <p:ext uri="{BB962C8B-B14F-4D97-AF65-F5344CB8AC3E}">
+        <p14:creationId xmlns:p14="http://schemas.microsoft.com/office/powerpoint/2010/main" val="3048187468"/>
+      </p:ext>
+    </p:extLst>
+  </p:cSld>
+  <p:clrMapOvr>
+    <a:masterClrMapping/>
+  </p:clrMapOvr>
+</p:sld>
+</file>
+
+<file path=ppt/slides/slide44.xml><?xml version="1.0" encoding="utf-8"?>
+<p:sld xmlns:a="http://schemas.openxmlformats.org/drawingml/2006/main" xmlns:r="http://schemas.openxmlformats.org/officeDocument/2006/relationships" xmlns:p="http://schemas.openxmlformats.org/presentationml/2006/main">
+  <p:cSld>
+    <p:spTree>
+      <p:nvGrpSpPr>
+        <p:cNvPr id="1" name=""/>
+        <p:cNvGrpSpPr/>
+        <p:nvPr/>
+      </p:nvGrpSpPr>
+      <p:grpSpPr>
+        <a:xfrm>
+          <a:off x="0" y="0"/>
+          <a:ext cx="0" cy="0"/>
+          <a:chOff x="0" y="0"/>
+          <a:chExt cx="0" cy="0"/>
+        </a:xfrm>
+      </p:grpSpPr>
+      <p:sp>
+        <p:nvSpPr>
+          <p:cNvPr id="2" name="标题 1">
+            <a:extLst>
+              <a:ext uri="{FF2B5EF4-FFF2-40B4-BE49-F238E27FC236}">
+                <a16:creationId xmlns:a16="http://schemas.microsoft.com/office/drawing/2014/main" id="{45C0BEC7-02FB-4F7C-B293-DF30223601FF}"/>
+              </a:ext>
+            </a:extLst>
+          </p:cNvPr>
+          <p:cNvSpPr>
+            <a:spLocks noGrp="1"/>
+          </p:cNvSpPr>
+          <p:nvPr>
+            <p:ph type="title"/>
+          </p:nvPr>
+        </p:nvSpPr>
+        <p:spPr/>
+        <p:txBody>
+          <a:bodyPr/>
+          <a:lstStyle/>
+          <a:p>
+            <a:r>
+              <a:rPr lang="en-US" altLang="zh-CN" dirty="0"/>
+              <a:t>Linking</a:t>
+            </a:r>
+            <a:endParaRPr lang="zh-CN" altLang="en-US" dirty="0"/>
+          </a:p>
+        </p:txBody>
+      </p:sp>
+      <p:sp>
+        <p:nvSpPr>
+          <p:cNvPr id="3" name="内容占位符 2">
+            <a:extLst>
+              <a:ext uri="{FF2B5EF4-FFF2-40B4-BE49-F238E27FC236}">
+                <a16:creationId xmlns:a16="http://schemas.microsoft.com/office/drawing/2014/main" id="{5D48C195-7BB0-418C-BDA7-3DEA2B3C84D0}"/>
+              </a:ext>
+            </a:extLst>
+          </p:cNvPr>
+          <p:cNvSpPr>
+            <a:spLocks noGrp="1"/>
+          </p:cNvSpPr>
+          <p:nvPr>
+            <p:ph idx="1"/>
+          </p:nvPr>
+        </p:nvSpPr>
+        <p:spPr/>
+        <p:txBody>
+          <a:bodyPr/>
+          <a:lstStyle/>
+          <a:p>
+            <a:r>
+              <a:rPr lang="en-US" altLang="zh-CN" dirty="0"/>
+              <a:t>What is </a:t>
+            </a:r>
+            <a:r>
+              <a:rPr lang="en-US" altLang="zh-CN" dirty="0" err="1"/>
+              <a:t>libc</a:t>
+            </a:r>
+            <a:r>
+              <a:rPr lang="en-US" altLang="zh-CN" dirty="0"/>
+              <a:t>?</a:t>
+            </a:r>
+          </a:p>
+          <a:p>
+            <a:endParaRPr lang="en-US" altLang="zh-CN" dirty="0"/>
+          </a:p>
+          <a:p>
+            <a:endParaRPr lang="en-US" altLang="zh-CN" dirty="0"/>
+          </a:p>
+          <a:p>
+            <a:endParaRPr lang="en-US" altLang="zh-CN" dirty="0"/>
+          </a:p>
+          <a:p>
+            <a:endParaRPr lang="en-US" altLang="zh-CN" dirty="0"/>
+          </a:p>
+          <a:p>
+            <a:r>
+              <a:rPr lang="en-US" altLang="zh-CN" dirty="0"/>
+              <a:t>System functions like system(), </a:t>
+            </a:r>
+            <a:r>
+              <a:rPr lang="en-US" altLang="zh-CN" dirty="0" err="1"/>
+              <a:t>printf</a:t>
+            </a:r>
+            <a:r>
+              <a:rPr lang="en-US" altLang="zh-CN" dirty="0"/>
+              <a:t>(), </a:t>
+            </a:r>
+            <a:r>
+              <a:rPr lang="en-US" altLang="zh-CN" dirty="0" err="1"/>
+              <a:t>scanf</a:t>
+            </a:r>
+            <a:r>
+              <a:rPr lang="en-US" altLang="zh-CN" dirty="0"/>
+              <a:t>().</a:t>
+            </a:r>
+          </a:p>
+          <a:p>
+            <a:r>
+              <a:rPr lang="en-US" altLang="zh-CN" dirty="0"/>
+              <a:t>Static linking, symbol resolution, relocation.</a:t>
+            </a:r>
+            <a:endParaRPr lang="zh-CN" altLang="en-US" dirty="0"/>
+          </a:p>
+        </p:txBody>
+      </p:sp>
+      <p:pic>
+        <p:nvPicPr>
+          <p:cNvPr id="5" name="图片 4">
+            <a:extLst>
+              <a:ext uri="{FF2B5EF4-FFF2-40B4-BE49-F238E27FC236}">
+                <a16:creationId xmlns:a16="http://schemas.microsoft.com/office/drawing/2014/main" id="{1223912A-0583-4B21-884A-D2DDB264D408}"/>
+              </a:ext>
+            </a:extLst>
+          </p:cNvPr>
+          <p:cNvPicPr>
+            <a:picLocks noChangeAspect="1"/>
+          </p:cNvPicPr>
+          <p:nvPr/>
+        </p:nvPicPr>
+        <p:blipFill>
+          <a:blip r:embed="rId2"/>
+          <a:stretch>
+            <a:fillRect/>
+          </a:stretch>
+        </p:blipFill>
+        <p:spPr>
+          <a:xfrm>
+            <a:off x="838200" y="2422063"/>
+            <a:ext cx="2952381" cy="1847619"/>
+          </a:xfrm>
+          <a:prstGeom prst="rect">
+            <a:avLst/>
+          </a:prstGeom>
+        </p:spPr>
+      </p:pic>
+    </p:spTree>
+    <p:extLst>
+      <p:ext uri="{BB962C8B-B14F-4D97-AF65-F5344CB8AC3E}">
+        <p14:creationId xmlns:p14="http://schemas.microsoft.com/office/powerpoint/2010/main" val="3018156008"/>
+      </p:ext>
+    </p:extLst>
+  </p:cSld>
+  <p:clrMapOvr>
+    <a:masterClrMapping/>
+  </p:clrMapOvr>
+</p:sld>
+</file>
+
+<file path=ppt/slides/slide45.xml><?xml version="1.0" encoding="utf-8"?>
+<p:sld xmlns:a="http://schemas.openxmlformats.org/drawingml/2006/main" xmlns:r="http://schemas.openxmlformats.org/officeDocument/2006/relationships" xmlns:p="http://schemas.openxmlformats.org/presentationml/2006/main">
+  <p:cSld>
+    <p:spTree>
+      <p:nvGrpSpPr>
+        <p:cNvPr id="1" name=""/>
+        <p:cNvGrpSpPr/>
+        <p:nvPr/>
+      </p:nvGrpSpPr>
+      <p:grpSpPr>
+        <a:xfrm>
+          <a:off x="0" y="0"/>
+          <a:ext cx="0" cy="0"/>
+          <a:chOff x="0" y="0"/>
+          <a:chExt cx="0" cy="0"/>
+        </a:xfrm>
+      </p:grpSpPr>
+      <p:sp>
+        <p:nvSpPr>
+          <p:cNvPr id="2" name="标题 1">
+            <a:extLst>
+              <a:ext uri="{FF2B5EF4-FFF2-40B4-BE49-F238E27FC236}">
+                <a16:creationId xmlns:a16="http://schemas.microsoft.com/office/drawing/2014/main" id="{5B0FCD1E-BF59-419E-8E62-C13B2C57A7B5}"/>
+              </a:ext>
+            </a:extLst>
+          </p:cNvPr>
+          <p:cNvSpPr>
+            <a:spLocks noGrp="1"/>
+          </p:cNvSpPr>
+          <p:nvPr>
+            <p:ph type="title"/>
+          </p:nvPr>
+        </p:nvSpPr>
+        <p:spPr/>
+        <p:txBody>
+          <a:bodyPr/>
+          <a:lstStyle/>
+          <a:p>
+            <a:r>
+              <a:rPr lang="en-US" altLang="zh-CN" dirty="0"/>
+              <a:t>ELF</a:t>
+            </a:r>
+            <a:endParaRPr lang="zh-CN" altLang="en-US" dirty="0"/>
+          </a:p>
+        </p:txBody>
+      </p:sp>
+      <p:sp>
+        <p:nvSpPr>
+          <p:cNvPr id="3" name="内容占位符 2">
+            <a:extLst>
+              <a:ext uri="{FF2B5EF4-FFF2-40B4-BE49-F238E27FC236}">
+                <a16:creationId xmlns:a16="http://schemas.microsoft.com/office/drawing/2014/main" id="{BDF59A77-6226-457C-AA45-EBE364F18472}"/>
+              </a:ext>
+            </a:extLst>
+          </p:cNvPr>
+          <p:cNvSpPr>
+            <a:spLocks noGrp="1"/>
+          </p:cNvSpPr>
+          <p:nvPr>
+            <p:ph idx="1"/>
+          </p:nvPr>
+        </p:nvSpPr>
+        <p:spPr/>
+        <p:txBody>
+          <a:bodyPr/>
+          <a:lstStyle/>
+          <a:p>
+            <a:r>
+              <a:rPr lang="en-US" altLang="zh-CN" dirty="0"/>
+              <a:t>ELF structure overview:</a:t>
+            </a:r>
+          </a:p>
+          <a:p>
+            <a:pPr lvl="1"/>
+            <a:r>
+              <a:rPr lang="en-US" altLang="zh-CN" dirty="0"/>
+              <a:t>.text: compiled machine code.</a:t>
+            </a:r>
+          </a:p>
+          <a:p>
+            <a:pPr lvl="1"/>
+            <a:r>
+              <a:rPr lang="en-US" altLang="zh-CN" dirty="0"/>
+              <a:t>.</a:t>
+            </a:r>
+            <a:r>
+              <a:rPr lang="en-US" altLang="zh-CN" dirty="0" err="1"/>
+              <a:t>rodata</a:t>
+            </a:r>
+            <a:r>
+              <a:rPr lang="en-US" altLang="zh-CN" dirty="0"/>
+              <a:t>: read only data.</a:t>
+            </a:r>
+          </a:p>
+          <a:p>
+            <a:pPr lvl="1"/>
+            <a:r>
+              <a:rPr lang="en-US" altLang="zh-CN" dirty="0"/>
+              <a:t>.data: global / static variable.</a:t>
+            </a:r>
+          </a:p>
+          <a:p>
+            <a:pPr lvl="1"/>
+            <a:r>
+              <a:rPr lang="en-US" altLang="zh-CN" dirty="0"/>
+              <a:t>.</a:t>
+            </a:r>
+            <a:r>
+              <a:rPr lang="en-US" altLang="zh-CN" dirty="0" err="1"/>
+              <a:t>bss</a:t>
+            </a:r>
+            <a:r>
+              <a:rPr lang="en-US" altLang="zh-CN" dirty="0"/>
+              <a:t>: un-initialized global / static variable.</a:t>
+            </a:r>
+          </a:p>
+          <a:p>
+            <a:pPr lvl="1"/>
+            <a:r>
+              <a:rPr lang="en-US" altLang="zh-CN" dirty="0"/>
+              <a:t>.</a:t>
+            </a:r>
+            <a:r>
+              <a:rPr lang="en-US" altLang="zh-CN" dirty="0" err="1"/>
+              <a:t>symtab</a:t>
+            </a:r>
+            <a:r>
+              <a:rPr lang="en-US" altLang="zh-CN" dirty="0"/>
+              <a:t>: symbol table.</a:t>
+            </a:r>
+          </a:p>
+          <a:p>
+            <a:pPr lvl="1"/>
+            <a:r>
+              <a:rPr lang="en-US" altLang="zh-CN" dirty="0"/>
+              <a:t>.</a:t>
+            </a:r>
+            <a:r>
+              <a:rPr lang="en-US" altLang="zh-CN" dirty="0" err="1"/>
+              <a:t>rel</a:t>
+            </a:r>
+            <a:r>
+              <a:rPr lang="en-US" altLang="zh-CN" dirty="0"/>
+              <a:t>: related variable / function address.</a:t>
+            </a:r>
+          </a:p>
+          <a:p>
+            <a:pPr lvl="1"/>
+            <a:r>
+              <a:rPr lang="en-US" altLang="zh-CN" dirty="0"/>
+              <a:t>.debug: debug symbol table.</a:t>
+            </a:r>
+          </a:p>
+          <a:p>
+            <a:pPr lvl="1"/>
+            <a:r>
+              <a:rPr lang="en-US" altLang="zh-CN" dirty="0"/>
+              <a:t>.line: source code line number.</a:t>
+            </a:r>
+          </a:p>
+          <a:p>
+            <a:pPr lvl="1"/>
+            <a:r>
+              <a:rPr lang="en-US" altLang="zh-CN" dirty="0"/>
+              <a:t>.</a:t>
+            </a:r>
+            <a:r>
+              <a:rPr lang="en-US" altLang="zh-CN" dirty="0" err="1"/>
+              <a:t>strtab</a:t>
+            </a:r>
+            <a:r>
+              <a:rPr lang="en-US" altLang="zh-CN" dirty="0"/>
+              <a:t>: string table.</a:t>
+            </a:r>
+            <a:endParaRPr lang="zh-CN" altLang="en-US" dirty="0"/>
+          </a:p>
+        </p:txBody>
+      </p:sp>
+      <p:pic>
+        <p:nvPicPr>
+          <p:cNvPr id="5" name="图片 4">
+            <a:extLst>
+              <a:ext uri="{FF2B5EF4-FFF2-40B4-BE49-F238E27FC236}">
+                <a16:creationId xmlns:a16="http://schemas.microsoft.com/office/drawing/2014/main" id="{A5500CC2-2CA7-4B5B-9767-0D36A9711562}"/>
+              </a:ext>
+            </a:extLst>
+          </p:cNvPr>
+          <p:cNvPicPr>
+            <a:picLocks noChangeAspect="1"/>
+          </p:cNvPicPr>
+          <p:nvPr/>
+        </p:nvPicPr>
+        <p:blipFill>
+          <a:blip r:embed="rId2"/>
+          <a:stretch>
+            <a:fillRect/>
+          </a:stretch>
+        </p:blipFill>
+        <p:spPr>
+          <a:xfrm>
+            <a:off x="7297190" y="2186143"/>
+            <a:ext cx="2247619" cy="2485714"/>
+          </a:xfrm>
+          <a:prstGeom prst="rect">
+            <a:avLst/>
+          </a:prstGeom>
+        </p:spPr>
+      </p:pic>
+    </p:spTree>
+    <p:extLst>
+      <p:ext uri="{BB962C8B-B14F-4D97-AF65-F5344CB8AC3E}">
+        <p14:creationId xmlns:p14="http://schemas.microsoft.com/office/powerpoint/2010/main" val="181724570"/>
+      </p:ext>
+    </p:extLst>
+  </p:cSld>
+  <p:clrMapOvr>
+    <a:masterClrMapping/>
+  </p:clrMapOvr>
+</p:sld>
+</file>
+
+<file path=ppt/slides/slide46.xml><?xml version="1.0" encoding="utf-8"?>
+<p:sld xmlns:a="http://schemas.openxmlformats.org/drawingml/2006/main" xmlns:r="http://schemas.openxmlformats.org/officeDocument/2006/relationships" xmlns:p="http://schemas.openxmlformats.org/presentationml/2006/main">
+  <p:cSld>
+    <p:spTree>
+      <p:nvGrpSpPr>
+        <p:cNvPr id="1" name=""/>
+        <p:cNvGrpSpPr/>
+        <p:nvPr/>
+      </p:nvGrpSpPr>
+      <p:grpSpPr>
+        <a:xfrm>
+          <a:off x="0" y="0"/>
+          <a:ext cx="0" cy="0"/>
+          <a:chOff x="0" y="0"/>
+          <a:chExt cx="0" cy="0"/>
+        </a:xfrm>
+      </p:grpSpPr>
+      <p:sp>
+        <p:nvSpPr>
+          <p:cNvPr id="2" name="标题 1">
+            <a:extLst>
+              <a:ext uri="{FF2B5EF4-FFF2-40B4-BE49-F238E27FC236}">
+                <a16:creationId xmlns:a16="http://schemas.microsoft.com/office/drawing/2014/main" id="{F6E11395-4318-42E6-9291-A19C0C228EB1}"/>
+              </a:ext>
+            </a:extLst>
+          </p:cNvPr>
+          <p:cNvSpPr>
+            <a:spLocks noGrp="1"/>
+          </p:cNvSpPr>
+          <p:nvPr>
+            <p:ph type="title"/>
+          </p:nvPr>
+        </p:nvSpPr>
+        <p:spPr/>
+        <p:txBody>
+          <a:bodyPr/>
+          <a:lstStyle/>
+          <a:p>
+            <a:r>
+              <a:rPr lang="en-US" altLang="zh-CN" dirty="0"/>
+              <a:t>Running of Program</a:t>
+            </a:r>
+            <a:endParaRPr lang="zh-CN" altLang="en-US" dirty="0"/>
+          </a:p>
+        </p:txBody>
+      </p:sp>
+      <p:pic>
+        <p:nvPicPr>
+          <p:cNvPr id="5" name="内容占位符 4">
+            <a:extLst>
+              <a:ext uri="{FF2B5EF4-FFF2-40B4-BE49-F238E27FC236}">
+                <a16:creationId xmlns:a16="http://schemas.microsoft.com/office/drawing/2014/main" id="{F2324555-8B22-4479-9171-127A7FF7A925}"/>
+              </a:ext>
+            </a:extLst>
+          </p:cNvPr>
+          <p:cNvPicPr>
+            <a:picLocks noGrp="1" noChangeAspect="1"/>
+          </p:cNvPicPr>
+          <p:nvPr>
+            <p:ph idx="1"/>
+          </p:nvPr>
+        </p:nvPicPr>
+        <p:blipFill>
+          <a:blip r:embed="rId2"/>
+          <a:stretch>
+            <a:fillRect/>
+          </a:stretch>
+        </p:blipFill>
+        <p:spPr>
+          <a:xfrm>
+            <a:off x="838200" y="1690688"/>
+            <a:ext cx="3133333" cy="3142857"/>
+          </a:xfrm>
+        </p:spPr>
+      </p:pic>
+    </p:spTree>
+    <p:extLst>
+      <p:ext uri="{BB962C8B-B14F-4D97-AF65-F5344CB8AC3E}">
+        <p14:creationId xmlns:p14="http://schemas.microsoft.com/office/powerpoint/2010/main" val="424101558"/>
+      </p:ext>
+    </p:extLst>
+  </p:cSld>
+  <p:clrMapOvr>
+    <a:masterClrMapping/>
+  </p:clrMapOvr>
+</p:sld>
+</file>
+
+<file path=ppt/slides/slide47.xml><?xml version="1.0" encoding="utf-8"?>
+<p:sld xmlns:a="http://schemas.openxmlformats.org/drawingml/2006/main" xmlns:r="http://schemas.openxmlformats.org/officeDocument/2006/relationships" xmlns:p="http://schemas.openxmlformats.org/presentationml/2006/main">
+  <p:cSld>
+    <p:spTree>
+      <p:nvGrpSpPr>
+        <p:cNvPr id="1" name=""/>
+        <p:cNvGrpSpPr/>
+        <p:nvPr/>
+      </p:nvGrpSpPr>
+      <p:grpSpPr>
+        <a:xfrm>
+          <a:off x="0" y="0"/>
+          <a:ext cx="0" cy="0"/>
+          <a:chOff x="0" y="0"/>
+          <a:chExt cx="0" cy="0"/>
+        </a:xfrm>
+      </p:grpSpPr>
+      <p:sp>
+        <p:nvSpPr>
+          <p:cNvPr id="2" name="标题 1">
+            <a:extLst>
+              <a:ext uri="{FF2B5EF4-FFF2-40B4-BE49-F238E27FC236}">
+                <a16:creationId xmlns:a16="http://schemas.microsoft.com/office/drawing/2014/main" id="{5372253D-2E06-4900-8BD0-E39E33174198}"/>
+              </a:ext>
+            </a:extLst>
+          </p:cNvPr>
+          <p:cNvSpPr>
+            <a:spLocks noGrp="1"/>
+          </p:cNvSpPr>
+          <p:nvPr>
+            <p:ph type="title"/>
+          </p:nvPr>
+        </p:nvSpPr>
+        <p:spPr/>
+        <p:txBody>
+          <a:bodyPr/>
+          <a:lstStyle/>
+          <a:p>
+            <a:r>
+              <a:rPr lang="en-US" altLang="zh-CN" dirty="0"/>
+              <a:t>PIC, Position Independent Code</a:t>
+            </a:r>
+            <a:endParaRPr lang="zh-CN" altLang="en-US" dirty="0"/>
+          </a:p>
+        </p:txBody>
+      </p:sp>
+      <p:sp>
+        <p:nvSpPr>
+          <p:cNvPr id="3" name="内容占位符 2">
+            <a:extLst>
+              <a:ext uri="{FF2B5EF4-FFF2-40B4-BE49-F238E27FC236}">
+                <a16:creationId xmlns:a16="http://schemas.microsoft.com/office/drawing/2014/main" id="{CB415DC7-5521-4B16-840B-5EEFEE2ADE2A}"/>
+              </a:ext>
+            </a:extLst>
+          </p:cNvPr>
+          <p:cNvSpPr>
+            <a:spLocks noGrp="1"/>
+          </p:cNvSpPr>
+          <p:nvPr>
+            <p:ph idx="1"/>
+          </p:nvPr>
+        </p:nvSpPr>
+        <p:spPr/>
+        <p:txBody>
+          <a:bodyPr/>
+          <a:lstStyle/>
+          <a:p>
+            <a:r>
+              <a:rPr lang="en-US" altLang="zh-CN" dirty="0"/>
+              <a:t>GOT, Global Offset Table: relative address to global data.</a:t>
+            </a:r>
+          </a:p>
+          <a:p>
+            <a:r>
+              <a:rPr lang="en-US" altLang="zh-CN" dirty="0"/>
+              <a:t>PLT, Procedure Linkage Table: code to run system function.</a:t>
+            </a:r>
+          </a:p>
+          <a:p>
+            <a:r>
+              <a:rPr lang="en-US" altLang="zh-CN" dirty="0"/>
+              <a:t>PLT can use GOT to locate function.</a:t>
+            </a:r>
+            <a:endParaRPr lang="zh-CN" altLang="en-US" dirty="0"/>
+          </a:p>
+        </p:txBody>
+      </p:sp>
+      <p:pic>
+        <p:nvPicPr>
+          <p:cNvPr id="5" name="图片 4">
+            <a:extLst>
+              <a:ext uri="{FF2B5EF4-FFF2-40B4-BE49-F238E27FC236}">
+                <a16:creationId xmlns:a16="http://schemas.microsoft.com/office/drawing/2014/main" id="{630C4968-28F7-482D-A1F1-7B644698CA72}"/>
+              </a:ext>
+            </a:extLst>
+          </p:cNvPr>
+          <p:cNvPicPr>
+            <a:picLocks noChangeAspect="1"/>
+          </p:cNvPicPr>
+          <p:nvPr/>
+        </p:nvPicPr>
+        <p:blipFill>
+          <a:blip r:embed="rId2"/>
+          <a:stretch>
+            <a:fillRect/>
+          </a:stretch>
+        </p:blipFill>
+        <p:spPr>
+          <a:xfrm>
+            <a:off x="838200" y="3363199"/>
+            <a:ext cx="5076190" cy="1276190"/>
+          </a:xfrm>
+          <a:prstGeom prst="rect">
+            <a:avLst/>
+          </a:prstGeom>
+        </p:spPr>
+      </p:pic>
+      <p:pic>
+        <p:nvPicPr>
+          <p:cNvPr id="7" name="图片 6">
+            <a:extLst>
+              <a:ext uri="{FF2B5EF4-FFF2-40B4-BE49-F238E27FC236}">
+                <a16:creationId xmlns:a16="http://schemas.microsoft.com/office/drawing/2014/main" id="{FB165B47-A59A-40EB-AE35-29488341FE1F}"/>
+              </a:ext>
+            </a:extLst>
+          </p:cNvPr>
+          <p:cNvPicPr>
+            <a:picLocks noChangeAspect="1"/>
+          </p:cNvPicPr>
+          <p:nvPr/>
+        </p:nvPicPr>
+        <p:blipFill>
+          <a:blip r:embed="rId3"/>
+          <a:stretch>
+            <a:fillRect/>
+          </a:stretch>
+        </p:blipFill>
+        <p:spPr>
+          <a:xfrm>
+            <a:off x="838200" y="4778115"/>
+            <a:ext cx="5723809" cy="1857143"/>
+          </a:xfrm>
+          <a:prstGeom prst="rect">
+            <a:avLst/>
+          </a:prstGeom>
+        </p:spPr>
+      </p:pic>
+    </p:spTree>
+    <p:extLst>
+      <p:ext uri="{BB962C8B-B14F-4D97-AF65-F5344CB8AC3E}">
+        <p14:creationId xmlns:p14="http://schemas.microsoft.com/office/powerpoint/2010/main" val="476329485"/>
+      </p:ext>
+    </p:extLst>
+  </p:cSld>
+  <p:clrMapOvr>
+    <a:masterClrMapping/>
+  </p:clrMapOvr>
+</p:sld>
+</file>
+
+<file path=ppt/slides/slide48.xml><?xml version="1.0" encoding="utf-8"?>
+<p:sld xmlns:a="http://schemas.openxmlformats.org/drawingml/2006/main" xmlns:r="http://schemas.openxmlformats.org/officeDocument/2006/relationships" xmlns:p="http://schemas.openxmlformats.org/presentationml/2006/main">
+  <p:cSld>
+    <p:spTree>
+      <p:nvGrpSpPr>
+        <p:cNvPr id="1" name=""/>
+        <p:cNvGrpSpPr/>
+        <p:nvPr/>
+      </p:nvGrpSpPr>
+      <p:grpSpPr>
+        <a:xfrm>
+          <a:off x="0" y="0"/>
+          <a:ext cx="0" cy="0"/>
+          <a:chOff x="0" y="0"/>
+          <a:chExt cx="0" cy="0"/>
+        </a:xfrm>
+      </p:grpSpPr>
+      <p:sp>
+        <p:nvSpPr>
+          <p:cNvPr id="2" name="标题 1">
+            <a:extLst>
+              <a:ext uri="{FF2B5EF4-FFF2-40B4-BE49-F238E27FC236}">
+                <a16:creationId xmlns:a16="http://schemas.microsoft.com/office/drawing/2014/main" id="{9B3E14C4-1F67-4B5A-B5E3-48EE23A6D3C6}"/>
+              </a:ext>
+            </a:extLst>
+          </p:cNvPr>
+          <p:cNvSpPr>
+            <a:spLocks noGrp="1"/>
+          </p:cNvSpPr>
+          <p:nvPr>
+            <p:ph type="title"/>
+          </p:nvPr>
+        </p:nvSpPr>
+        <p:spPr/>
+        <p:txBody>
+          <a:bodyPr/>
+          <a:lstStyle/>
+          <a:p>
+            <a:r>
+              <a:rPr lang="en-US" altLang="zh-CN" dirty="0"/>
+              <a:t>Exception and Interrupt Handling</a:t>
+            </a:r>
+            <a:endParaRPr lang="zh-CN" altLang="en-US" dirty="0"/>
+          </a:p>
+        </p:txBody>
+      </p:sp>
+      <p:sp>
+        <p:nvSpPr>
+          <p:cNvPr id="3" name="文本占位符 2">
+            <a:extLst>
+              <a:ext uri="{FF2B5EF4-FFF2-40B4-BE49-F238E27FC236}">
+                <a16:creationId xmlns:a16="http://schemas.microsoft.com/office/drawing/2014/main" id="{28836FD1-25BB-4F31-A6BC-61B74366BE66}"/>
+              </a:ext>
+            </a:extLst>
+          </p:cNvPr>
+          <p:cNvSpPr>
+            <a:spLocks noGrp="1"/>
+          </p:cNvSpPr>
+          <p:nvPr>
+            <p:ph type="body" idx="1"/>
+          </p:nvPr>
+        </p:nvSpPr>
+        <p:spPr/>
+        <p:txBody>
+          <a:bodyPr/>
+          <a:lstStyle/>
+          <a:p>
+            <a:r>
+              <a:rPr lang="en-US" altLang="zh-CN" dirty="0"/>
+              <a:t>Chapter 6</a:t>
+            </a:r>
+            <a:endParaRPr lang="zh-CN" altLang="en-US" dirty="0"/>
+          </a:p>
+        </p:txBody>
+      </p:sp>
+    </p:spTree>
+    <p:extLst>
+      <p:ext uri="{BB962C8B-B14F-4D97-AF65-F5344CB8AC3E}">
+        <p14:creationId xmlns:p14="http://schemas.microsoft.com/office/powerpoint/2010/main" val="2713570541"/>
+      </p:ext>
+    </p:extLst>
+  </p:cSld>
+  <p:clrMapOvr>
+    <a:masterClrMapping/>
+  </p:clrMapOvr>
+</p:sld>
+</file>
+
+<file path=ppt/slides/slide49.xml><?xml version="1.0" encoding="utf-8"?>
+<p:sld xmlns:a="http://schemas.openxmlformats.org/drawingml/2006/main" xmlns:r="http://schemas.openxmlformats.org/officeDocument/2006/relationships" xmlns:p="http://schemas.openxmlformats.org/presentationml/2006/main">
+  <p:cSld>
+    <p:spTree>
+      <p:nvGrpSpPr>
+        <p:cNvPr id="1" name=""/>
+        <p:cNvGrpSpPr/>
+        <p:nvPr/>
+      </p:nvGrpSpPr>
+      <p:grpSpPr>
+        <a:xfrm>
+          <a:off x="0" y="0"/>
+          <a:ext cx="0" cy="0"/>
+          <a:chOff x="0" y="0"/>
+          <a:chExt cx="0" cy="0"/>
+        </a:xfrm>
+      </p:grpSpPr>
+      <p:sp>
+        <p:nvSpPr>
+          <p:cNvPr id="2" name="标题 1">
+            <a:extLst>
+              <a:ext uri="{FF2B5EF4-FFF2-40B4-BE49-F238E27FC236}">
+                <a16:creationId xmlns:a16="http://schemas.microsoft.com/office/drawing/2014/main" id="{DACE970F-0FB9-4FF5-82C2-BF04D779A900}"/>
+              </a:ext>
+            </a:extLst>
+          </p:cNvPr>
+          <p:cNvSpPr>
+            <a:spLocks noGrp="1"/>
+          </p:cNvSpPr>
+          <p:nvPr>
+            <p:ph type="title"/>
+          </p:nvPr>
+        </p:nvSpPr>
+        <p:spPr/>
+        <p:txBody>
+          <a:bodyPr/>
+          <a:lstStyle/>
+          <a:p>
+            <a:r>
+              <a:rPr lang="en-US" altLang="zh-CN" dirty="0"/>
+              <a:t>Exceptions</a:t>
+            </a:r>
+            <a:endParaRPr lang="zh-CN" altLang="en-US" dirty="0"/>
+          </a:p>
+        </p:txBody>
+      </p:sp>
+      <p:sp>
+        <p:nvSpPr>
+          <p:cNvPr id="3" name="内容占位符 2">
+            <a:extLst>
+              <a:ext uri="{FF2B5EF4-FFF2-40B4-BE49-F238E27FC236}">
+                <a16:creationId xmlns:a16="http://schemas.microsoft.com/office/drawing/2014/main" id="{4B041C37-EB4B-4531-ADC8-AAD9231E4EAA}"/>
+              </a:ext>
+            </a:extLst>
+          </p:cNvPr>
+          <p:cNvSpPr>
+            <a:spLocks noGrp="1"/>
+          </p:cNvSpPr>
+          <p:nvPr>
+            <p:ph idx="1"/>
+          </p:nvPr>
+        </p:nvSpPr>
+        <p:spPr/>
+        <p:txBody>
+          <a:bodyPr/>
+          <a:lstStyle/>
+          <a:p>
+            <a:r>
+              <a:rPr lang="en-US" altLang="zh-CN" dirty="0"/>
+              <a:t>Interrupt: signal from I/O device.</a:t>
+            </a:r>
+          </a:p>
+          <a:p>
+            <a:r>
+              <a:rPr lang="en-US" altLang="zh-CN" dirty="0"/>
+              <a:t>Trap: intentional exception.</a:t>
+            </a:r>
+          </a:p>
+          <a:p>
+            <a:r>
+              <a:rPr lang="en-US" altLang="zh-CN" dirty="0"/>
+              <a:t>Fault: recoverable exception.</a:t>
+            </a:r>
+          </a:p>
+          <a:p>
+            <a:r>
+              <a:rPr lang="en-US" altLang="zh-CN" dirty="0"/>
+              <a:t>Abort: un-recoverable exception.</a:t>
+            </a:r>
+            <a:endParaRPr lang="zh-CN" altLang="en-US" dirty="0"/>
+          </a:p>
+        </p:txBody>
+      </p:sp>
+    </p:spTree>
+    <p:extLst>
+      <p:ext uri="{BB962C8B-B14F-4D97-AF65-F5344CB8AC3E}">
+        <p14:creationId xmlns:p14="http://schemas.microsoft.com/office/powerpoint/2010/main" val="2080502094"/>
+      </p:ext>
+    </p:extLst>
+  </p:cSld>
+  <p:clrMapOvr>
+    <a:masterClrMapping/>
+  </p:clrMapOvr>
+</p:sld>
+</file>
+
 <file path=ppt/slides/slide5.xml><?xml version="1.0" encoding="utf-8"?>
 <p:sld xmlns:a="http://schemas.openxmlformats.org/drawingml/2006/main" xmlns:r="http://schemas.openxmlformats.org/officeDocument/2006/relationships" xmlns:p="http://schemas.openxmlformats.org/presentationml/2006/main">
   <p:cSld>
@@ -6571,6 +9554,1214 @@
 </p:sld>
 </file>
 
+<file path=ppt/slides/slide50.xml><?xml version="1.0" encoding="utf-8"?>
+<p:sld xmlns:a="http://schemas.openxmlformats.org/drawingml/2006/main" xmlns:r="http://schemas.openxmlformats.org/officeDocument/2006/relationships" xmlns:p="http://schemas.openxmlformats.org/presentationml/2006/main">
+  <p:cSld>
+    <p:spTree>
+      <p:nvGrpSpPr>
+        <p:cNvPr id="1" name=""/>
+        <p:cNvGrpSpPr/>
+        <p:nvPr/>
+      </p:nvGrpSpPr>
+      <p:grpSpPr>
+        <a:xfrm>
+          <a:off x="0" y="0"/>
+          <a:ext cx="0" cy="0"/>
+          <a:chOff x="0" y="0"/>
+          <a:chExt cx="0" cy="0"/>
+        </a:xfrm>
+      </p:grpSpPr>
+      <p:sp>
+        <p:nvSpPr>
+          <p:cNvPr id="2" name="标题 1">
+            <a:extLst>
+              <a:ext uri="{FF2B5EF4-FFF2-40B4-BE49-F238E27FC236}">
+                <a16:creationId xmlns:a16="http://schemas.microsoft.com/office/drawing/2014/main" id="{5FCA7089-A046-40EF-8BA6-3E1F404FCA11}"/>
+              </a:ext>
+            </a:extLst>
+          </p:cNvPr>
+          <p:cNvSpPr>
+            <a:spLocks noGrp="1"/>
+          </p:cNvSpPr>
+          <p:nvPr>
+            <p:ph type="title"/>
+          </p:nvPr>
+        </p:nvSpPr>
+        <p:spPr/>
+        <p:txBody>
+          <a:bodyPr/>
+          <a:lstStyle/>
+          <a:p>
+            <a:r>
+              <a:rPr lang="en-US" altLang="zh-CN" dirty="0"/>
+              <a:t>Process</a:t>
+            </a:r>
+            <a:endParaRPr lang="zh-CN" altLang="en-US" dirty="0"/>
+          </a:p>
+        </p:txBody>
+      </p:sp>
+      <p:sp>
+        <p:nvSpPr>
+          <p:cNvPr id="3" name="内容占位符 2">
+            <a:extLst>
+              <a:ext uri="{FF2B5EF4-FFF2-40B4-BE49-F238E27FC236}">
+                <a16:creationId xmlns:a16="http://schemas.microsoft.com/office/drawing/2014/main" id="{95FE21D7-6F14-4084-92FF-9EEFF1C183B2}"/>
+              </a:ext>
+            </a:extLst>
+          </p:cNvPr>
+          <p:cNvSpPr>
+            <a:spLocks noGrp="1"/>
+          </p:cNvSpPr>
+          <p:nvPr>
+            <p:ph idx="1"/>
+          </p:nvPr>
+        </p:nvSpPr>
+        <p:spPr/>
+        <p:txBody>
+          <a:bodyPr/>
+          <a:lstStyle/>
+          <a:p>
+            <a:r>
+              <a:rPr lang="en-US" altLang="zh-CN" dirty="0"/>
+              <a:t>Concurrency vs. parallel.</a:t>
+            </a:r>
+          </a:p>
+          <a:p>
+            <a:r>
+              <a:rPr lang="en-US" altLang="zh-CN" dirty="0"/>
+              <a:t>Private address space.</a:t>
+            </a:r>
+          </a:p>
+          <a:p>
+            <a:r>
+              <a:rPr lang="en-US" altLang="zh-CN" dirty="0"/>
+              <a:t>User mode vs. kernel mode.</a:t>
+            </a:r>
+          </a:p>
+          <a:p>
+            <a:r>
+              <a:rPr lang="en-US" altLang="zh-CN" dirty="0"/>
+              <a:t>Context switch.</a:t>
+            </a:r>
+            <a:endParaRPr lang="zh-CN" altLang="en-US" dirty="0"/>
+          </a:p>
+        </p:txBody>
+      </p:sp>
+    </p:spTree>
+    <p:extLst>
+      <p:ext uri="{BB962C8B-B14F-4D97-AF65-F5344CB8AC3E}">
+        <p14:creationId xmlns:p14="http://schemas.microsoft.com/office/powerpoint/2010/main" val="2273241602"/>
+      </p:ext>
+    </p:extLst>
+  </p:cSld>
+  <p:clrMapOvr>
+    <a:masterClrMapping/>
+  </p:clrMapOvr>
+</p:sld>
+</file>
+
+<file path=ppt/slides/slide51.xml><?xml version="1.0" encoding="utf-8"?>
+<p:sld xmlns:a="http://schemas.openxmlformats.org/drawingml/2006/main" xmlns:r="http://schemas.openxmlformats.org/officeDocument/2006/relationships" xmlns:p="http://schemas.openxmlformats.org/presentationml/2006/main">
+  <p:cSld>
+    <p:spTree>
+      <p:nvGrpSpPr>
+        <p:cNvPr id="1" name=""/>
+        <p:cNvGrpSpPr/>
+        <p:nvPr/>
+      </p:nvGrpSpPr>
+      <p:grpSpPr>
+        <a:xfrm>
+          <a:off x="0" y="0"/>
+          <a:ext cx="0" cy="0"/>
+          <a:chOff x="0" y="0"/>
+          <a:chExt cx="0" cy="0"/>
+        </a:xfrm>
+      </p:grpSpPr>
+      <p:sp>
+        <p:nvSpPr>
+          <p:cNvPr id="2" name="标题 1">
+            <a:extLst>
+              <a:ext uri="{FF2B5EF4-FFF2-40B4-BE49-F238E27FC236}">
+                <a16:creationId xmlns:a16="http://schemas.microsoft.com/office/drawing/2014/main" id="{0CD61965-2CFC-448E-BB7C-30BFD4C56C37}"/>
+              </a:ext>
+            </a:extLst>
+          </p:cNvPr>
+          <p:cNvSpPr>
+            <a:spLocks noGrp="1"/>
+          </p:cNvSpPr>
+          <p:nvPr>
+            <p:ph type="title"/>
+          </p:nvPr>
+        </p:nvSpPr>
+        <p:spPr/>
+        <p:txBody>
+          <a:bodyPr/>
+          <a:lstStyle/>
+          <a:p>
+            <a:r>
+              <a:rPr lang="en-US" altLang="zh-CN" dirty="0"/>
+              <a:t>Virtual Memory Control</a:t>
+            </a:r>
+            <a:endParaRPr lang="zh-CN" altLang="en-US" dirty="0"/>
+          </a:p>
+        </p:txBody>
+      </p:sp>
+      <p:sp>
+        <p:nvSpPr>
+          <p:cNvPr id="3" name="内容占位符 2">
+            <a:extLst>
+              <a:ext uri="{FF2B5EF4-FFF2-40B4-BE49-F238E27FC236}">
+                <a16:creationId xmlns:a16="http://schemas.microsoft.com/office/drawing/2014/main" id="{01D3A6F9-10A9-4208-8770-1C88803C4740}"/>
+              </a:ext>
+            </a:extLst>
+          </p:cNvPr>
+          <p:cNvSpPr>
+            <a:spLocks noGrp="1"/>
+          </p:cNvSpPr>
+          <p:nvPr>
+            <p:ph idx="1"/>
+          </p:nvPr>
+        </p:nvSpPr>
+        <p:spPr/>
+        <p:txBody>
+          <a:bodyPr/>
+          <a:lstStyle/>
+          <a:p>
+            <a:r>
+              <a:rPr lang="en-US" altLang="zh-CN" dirty="0"/>
+              <a:t>Virtual addressing:</a:t>
+            </a:r>
+          </a:p>
+          <a:p>
+            <a:endParaRPr lang="zh-CN" altLang="en-US" dirty="0"/>
+          </a:p>
+        </p:txBody>
+      </p:sp>
+      <p:pic>
+        <p:nvPicPr>
+          <p:cNvPr id="5" name="图片 4">
+            <a:extLst>
+              <a:ext uri="{FF2B5EF4-FFF2-40B4-BE49-F238E27FC236}">
+                <a16:creationId xmlns:a16="http://schemas.microsoft.com/office/drawing/2014/main" id="{DD23F225-FF4A-4D86-B9E3-3F3A2DDFA740}"/>
+              </a:ext>
+            </a:extLst>
+          </p:cNvPr>
+          <p:cNvPicPr>
+            <a:picLocks noChangeAspect="1"/>
+          </p:cNvPicPr>
+          <p:nvPr/>
+        </p:nvPicPr>
+        <p:blipFill>
+          <a:blip r:embed="rId2"/>
+          <a:stretch>
+            <a:fillRect/>
+          </a:stretch>
+        </p:blipFill>
+        <p:spPr>
+          <a:xfrm>
+            <a:off x="838200" y="2357571"/>
+            <a:ext cx="4200000" cy="2142857"/>
+          </a:xfrm>
+          <a:prstGeom prst="rect">
+            <a:avLst/>
+          </a:prstGeom>
+        </p:spPr>
+      </p:pic>
+    </p:spTree>
+    <p:extLst>
+      <p:ext uri="{BB962C8B-B14F-4D97-AF65-F5344CB8AC3E}">
+        <p14:creationId xmlns:p14="http://schemas.microsoft.com/office/powerpoint/2010/main" val="2131666166"/>
+      </p:ext>
+    </p:extLst>
+  </p:cSld>
+  <p:clrMapOvr>
+    <a:masterClrMapping/>
+  </p:clrMapOvr>
+</p:sld>
+</file>
+
+<file path=ppt/slides/slide52.xml><?xml version="1.0" encoding="utf-8"?>
+<p:sld xmlns:a="http://schemas.openxmlformats.org/drawingml/2006/main" xmlns:r="http://schemas.openxmlformats.org/officeDocument/2006/relationships" xmlns:p="http://schemas.openxmlformats.org/presentationml/2006/main">
+  <p:cSld>
+    <p:spTree>
+      <p:nvGrpSpPr>
+        <p:cNvPr id="1" name=""/>
+        <p:cNvGrpSpPr/>
+        <p:nvPr/>
+      </p:nvGrpSpPr>
+      <p:grpSpPr>
+        <a:xfrm>
+          <a:off x="0" y="0"/>
+          <a:ext cx="0" cy="0"/>
+          <a:chOff x="0" y="0"/>
+          <a:chExt cx="0" cy="0"/>
+        </a:xfrm>
+      </p:grpSpPr>
+      <p:sp>
+        <p:nvSpPr>
+          <p:cNvPr id="2" name="标题 1">
+            <a:extLst>
+              <a:ext uri="{FF2B5EF4-FFF2-40B4-BE49-F238E27FC236}">
+                <a16:creationId xmlns:a16="http://schemas.microsoft.com/office/drawing/2014/main" id="{C87F9156-AE8E-43C8-8ABC-7A444B81AE24}"/>
+              </a:ext>
+            </a:extLst>
+          </p:cNvPr>
+          <p:cNvSpPr>
+            <a:spLocks noGrp="1"/>
+          </p:cNvSpPr>
+          <p:nvPr>
+            <p:ph type="title"/>
+          </p:nvPr>
+        </p:nvSpPr>
+        <p:spPr/>
+        <p:txBody>
+          <a:bodyPr/>
+          <a:lstStyle/>
+          <a:p>
+            <a:r>
+              <a:rPr lang="en-US" altLang="zh-CN" dirty="0"/>
+              <a:t>Page Table</a:t>
+            </a:r>
+            <a:endParaRPr lang="zh-CN" altLang="en-US" dirty="0"/>
+          </a:p>
+        </p:txBody>
+      </p:sp>
+      <p:sp>
+        <p:nvSpPr>
+          <p:cNvPr id="3" name="内容占位符 2">
+            <a:extLst>
+              <a:ext uri="{FF2B5EF4-FFF2-40B4-BE49-F238E27FC236}">
+                <a16:creationId xmlns:a16="http://schemas.microsoft.com/office/drawing/2014/main" id="{3380CC87-F65B-4BE4-8E4B-E1312DD113B5}"/>
+              </a:ext>
+            </a:extLst>
+          </p:cNvPr>
+          <p:cNvSpPr>
+            <a:spLocks noGrp="1"/>
+          </p:cNvSpPr>
+          <p:nvPr>
+            <p:ph idx="1"/>
+          </p:nvPr>
+        </p:nvSpPr>
+        <p:spPr/>
+        <p:txBody>
+          <a:bodyPr/>
+          <a:lstStyle/>
+          <a:p>
+            <a:r>
+              <a:rPr lang="en-US" altLang="zh-CN" dirty="0"/>
+              <a:t>Cache virtual memory in DRAM:</a:t>
+            </a:r>
+          </a:p>
+          <a:p>
+            <a:endParaRPr lang="zh-CN" altLang="en-US" dirty="0"/>
+          </a:p>
+        </p:txBody>
+      </p:sp>
+      <p:pic>
+        <p:nvPicPr>
+          <p:cNvPr id="5" name="图片 4">
+            <a:extLst>
+              <a:ext uri="{FF2B5EF4-FFF2-40B4-BE49-F238E27FC236}">
+                <a16:creationId xmlns:a16="http://schemas.microsoft.com/office/drawing/2014/main" id="{5BEE05EF-C584-4FCF-B6E5-2C185D6AB450}"/>
+              </a:ext>
+            </a:extLst>
+          </p:cNvPr>
+          <p:cNvPicPr>
+            <a:picLocks noChangeAspect="1"/>
+          </p:cNvPicPr>
+          <p:nvPr/>
+        </p:nvPicPr>
+        <p:blipFill>
+          <a:blip r:embed="rId2"/>
+          <a:stretch>
+            <a:fillRect/>
+          </a:stretch>
+        </p:blipFill>
+        <p:spPr>
+          <a:xfrm>
+            <a:off x="838200" y="2334314"/>
+            <a:ext cx="3257143" cy="2704762"/>
+          </a:xfrm>
+          <a:prstGeom prst="rect">
+            <a:avLst/>
+          </a:prstGeom>
+        </p:spPr>
+      </p:pic>
+    </p:spTree>
+    <p:extLst>
+      <p:ext uri="{BB962C8B-B14F-4D97-AF65-F5344CB8AC3E}">
+        <p14:creationId xmlns:p14="http://schemas.microsoft.com/office/powerpoint/2010/main" val="893211880"/>
+      </p:ext>
+    </p:extLst>
+  </p:cSld>
+  <p:clrMapOvr>
+    <a:masterClrMapping/>
+  </p:clrMapOvr>
+</p:sld>
+</file>
+
+<file path=ppt/slides/slide53.xml><?xml version="1.0" encoding="utf-8"?>
+<p:sld xmlns:a="http://schemas.openxmlformats.org/drawingml/2006/main" xmlns:r="http://schemas.openxmlformats.org/officeDocument/2006/relationships" xmlns:p="http://schemas.openxmlformats.org/presentationml/2006/main">
+  <p:cSld>
+    <p:spTree>
+      <p:nvGrpSpPr>
+        <p:cNvPr id="1" name=""/>
+        <p:cNvGrpSpPr/>
+        <p:nvPr/>
+      </p:nvGrpSpPr>
+      <p:grpSpPr>
+        <a:xfrm>
+          <a:off x="0" y="0"/>
+          <a:ext cx="0" cy="0"/>
+          <a:chOff x="0" y="0"/>
+          <a:chExt cx="0" cy="0"/>
+        </a:xfrm>
+      </p:grpSpPr>
+      <p:sp>
+        <p:nvSpPr>
+          <p:cNvPr id="2" name="标题 1">
+            <a:extLst>
+              <a:ext uri="{FF2B5EF4-FFF2-40B4-BE49-F238E27FC236}">
+                <a16:creationId xmlns:a16="http://schemas.microsoft.com/office/drawing/2014/main" id="{79383662-CFF1-4344-951A-B36834399BDF}"/>
+              </a:ext>
+            </a:extLst>
+          </p:cNvPr>
+          <p:cNvSpPr>
+            <a:spLocks noGrp="1"/>
+          </p:cNvSpPr>
+          <p:nvPr>
+            <p:ph type="title"/>
+          </p:nvPr>
+        </p:nvSpPr>
+        <p:spPr/>
+        <p:txBody>
+          <a:bodyPr/>
+          <a:lstStyle/>
+          <a:p>
+            <a:r>
+              <a:rPr lang="en-US" altLang="zh-CN" dirty="0"/>
+              <a:t>Page Table</a:t>
+            </a:r>
+            <a:endParaRPr lang="zh-CN" altLang="en-US" dirty="0"/>
+          </a:p>
+        </p:txBody>
+      </p:sp>
+      <p:sp>
+        <p:nvSpPr>
+          <p:cNvPr id="3" name="内容占位符 2">
+            <a:extLst>
+              <a:ext uri="{FF2B5EF4-FFF2-40B4-BE49-F238E27FC236}">
+                <a16:creationId xmlns:a16="http://schemas.microsoft.com/office/drawing/2014/main" id="{2C2355C2-E7AC-4DF8-B0CC-4EE3E3A5A5FC}"/>
+              </a:ext>
+            </a:extLst>
+          </p:cNvPr>
+          <p:cNvSpPr>
+            <a:spLocks noGrp="1"/>
+          </p:cNvSpPr>
+          <p:nvPr>
+            <p:ph idx="1"/>
+          </p:nvPr>
+        </p:nvSpPr>
+        <p:spPr/>
+        <p:txBody>
+          <a:bodyPr/>
+          <a:lstStyle/>
+          <a:p>
+            <a:r>
+              <a:rPr lang="en-US" altLang="zh-CN" dirty="0"/>
+              <a:t>Virtual address translation:</a:t>
+            </a:r>
+          </a:p>
+          <a:p>
+            <a:endParaRPr lang="en-US" altLang="zh-CN" dirty="0"/>
+          </a:p>
+          <a:p>
+            <a:endParaRPr lang="en-US" altLang="zh-CN" dirty="0"/>
+          </a:p>
+          <a:p>
+            <a:endParaRPr lang="en-US" altLang="zh-CN" dirty="0"/>
+          </a:p>
+          <a:p>
+            <a:endParaRPr lang="en-US" altLang="zh-CN" dirty="0"/>
+          </a:p>
+          <a:p>
+            <a:endParaRPr lang="en-US" altLang="zh-CN" dirty="0"/>
+          </a:p>
+          <a:p>
+            <a:endParaRPr lang="en-US" altLang="zh-CN" dirty="0"/>
+          </a:p>
+          <a:p>
+            <a:r>
+              <a:rPr lang="en-US" altLang="zh-CN" dirty="0"/>
+              <a:t>Multi-level page table: level-1 table points to entry in level-2.</a:t>
+            </a:r>
+            <a:endParaRPr lang="zh-CN" altLang="en-US" dirty="0"/>
+          </a:p>
+        </p:txBody>
+      </p:sp>
+      <p:pic>
+        <p:nvPicPr>
+          <p:cNvPr id="5" name="图片 4">
+            <a:extLst>
+              <a:ext uri="{FF2B5EF4-FFF2-40B4-BE49-F238E27FC236}">
+                <a16:creationId xmlns:a16="http://schemas.microsoft.com/office/drawing/2014/main" id="{89DC48AC-7BAC-437A-B2D1-3ABCC0CE0FDA}"/>
+              </a:ext>
+            </a:extLst>
+          </p:cNvPr>
+          <p:cNvPicPr>
+            <a:picLocks noChangeAspect="1"/>
+          </p:cNvPicPr>
+          <p:nvPr/>
+        </p:nvPicPr>
+        <p:blipFill>
+          <a:blip r:embed="rId2"/>
+          <a:stretch>
+            <a:fillRect/>
+          </a:stretch>
+        </p:blipFill>
+        <p:spPr>
+          <a:xfrm>
+            <a:off x="838200" y="2339956"/>
+            <a:ext cx="4942857" cy="2942857"/>
+          </a:xfrm>
+          <a:prstGeom prst="rect">
+            <a:avLst/>
+          </a:prstGeom>
+        </p:spPr>
+      </p:pic>
+    </p:spTree>
+    <p:extLst>
+      <p:ext uri="{BB962C8B-B14F-4D97-AF65-F5344CB8AC3E}">
+        <p14:creationId xmlns:p14="http://schemas.microsoft.com/office/powerpoint/2010/main" val="3280496115"/>
+      </p:ext>
+    </p:extLst>
+  </p:cSld>
+  <p:clrMapOvr>
+    <a:masterClrMapping/>
+  </p:clrMapOvr>
+</p:sld>
+</file>
+
+<file path=ppt/slides/slide54.xml><?xml version="1.0" encoding="utf-8"?>
+<p:sld xmlns:a="http://schemas.openxmlformats.org/drawingml/2006/main" xmlns:r="http://schemas.openxmlformats.org/officeDocument/2006/relationships" xmlns:p="http://schemas.openxmlformats.org/presentationml/2006/main">
+  <p:cSld>
+    <p:spTree>
+      <p:nvGrpSpPr>
+        <p:cNvPr id="1" name=""/>
+        <p:cNvGrpSpPr/>
+        <p:nvPr/>
+      </p:nvGrpSpPr>
+      <p:grpSpPr>
+        <a:xfrm>
+          <a:off x="0" y="0"/>
+          <a:ext cx="0" cy="0"/>
+          <a:chOff x="0" y="0"/>
+          <a:chExt cx="0" cy="0"/>
+        </a:xfrm>
+      </p:grpSpPr>
+      <p:sp>
+        <p:nvSpPr>
+          <p:cNvPr id="2" name="标题 1">
+            <a:extLst>
+              <a:ext uri="{FF2B5EF4-FFF2-40B4-BE49-F238E27FC236}">
+                <a16:creationId xmlns:a16="http://schemas.microsoft.com/office/drawing/2014/main" id="{FBCFAD36-993C-48F1-90A2-51943A8A4E0C}"/>
+              </a:ext>
+            </a:extLst>
+          </p:cNvPr>
+          <p:cNvSpPr>
+            <a:spLocks noGrp="1"/>
+          </p:cNvSpPr>
+          <p:nvPr>
+            <p:ph type="title"/>
+          </p:nvPr>
+        </p:nvSpPr>
+        <p:spPr/>
+        <p:txBody>
+          <a:bodyPr/>
+          <a:lstStyle/>
+          <a:p>
+            <a:r>
+              <a:rPr lang="en-US" altLang="zh-CN" dirty="0"/>
+              <a:t>Memory Allocation</a:t>
+            </a:r>
+            <a:endParaRPr lang="zh-CN" altLang="en-US" dirty="0"/>
+          </a:p>
+        </p:txBody>
+      </p:sp>
+      <p:sp>
+        <p:nvSpPr>
+          <p:cNvPr id="3" name="内容占位符 2">
+            <a:extLst>
+              <a:ext uri="{FF2B5EF4-FFF2-40B4-BE49-F238E27FC236}">
+                <a16:creationId xmlns:a16="http://schemas.microsoft.com/office/drawing/2014/main" id="{A679D1C6-8C2A-4EBB-B6A9-CDA536410047}"/>
+              </a:ext>
+            </a:extLst>
+          </p:cNvPr>
+          <p:cNvSpPr>
+            <a:spLocks noGrp="1"/>
+          </p:cNvSpPr>
+          <p:nvPr>
+            <p:ph idx="1"/>
+          </p:nvPr>
+        </p:nvSpPr>
+        <p:spPr/>
+        <p:txBody>
+          <a:bodyPr/>
+          <a:lstStyle/>
+          <a:p>
+            <a:r>
+              <a:rPr lang="en-US" altLang="zh-CN" dirty="0"/>
+              <a:t>Use malloc() and free() to manage heap:</a:t>
+            </a:r>
+          </a:p>
+          <a:p>
+            <a:endParaRPr lang="en-US" altLang="zh-CN" dirty="0"/>
+          </a:p>
+          <a:p>
+            <a:endParaRPr lang="en-US" altLang="zh-CN" dirty="0"/>
+          </a:p>
+          <a:p>
+            <a:endParaRPr lang="en-US" altLang="zh-CN" dirty="0"/>
+          </a:p>
+          <a:p>
+            <a:endParaRPr lang="en-US" altLang="zh-CN" dirty="0"/>
+          </a:p>
+          <a:p>
+            <a:endParaRPr lang="en-US" altLang="zh-CN" dirty="0"/>
+          </a:p>
+          <a:p>
+            <a:endParaRPr lang="en-US" altLang="zh-CN" dirty="0"/>
+          </a:p>
+          <a:p>
+            <a:r>
+              <a:rPr lang="en-US" altLang="zh-CN" dirty="0"/>
+              <a:t>Memory fragmentation: internal, external.</a:t>
+            </a:r>
+            <a:endParaRPr lang="zh-CN" altLang="en-US" dirty="0"/>
+          </a:p>
+        </p:txBody>
+      </p:sp>
+      <p:pic>
+        <p:nvPicPr>
+          <p:cNvPr id="5" name="图片 4">
+            <a:extLst>
+              <a:ext uri="{FF2B5EF4-FFF2-40B4-BE49-F238E27FC236}">
+                <a16:creationId xmlns:a16="http://schemas.microsoft.com/office/drawing/2014/main" id="{488BF34E-BFC7-4B60-B1F8-E2E1CE145FC0}"/>
+              </a:ext>
+            </a:extLst>
+          </p:cNvPr>
+          <p:cNvPicPr>
+            <a:picLocks noChangeAspect="1"/>
+          </p:cNvPicPr>
+          <p:nvPr/>
+        </p:nvPicPr>
+        <p:blipFill>
+          <a:blip r:embed="rId2"/>
+          <a:stretch>
+            <a:fillRect/>
+          </a:stretch>
+        </p:blipFill>
+        <p:spPr>
+          <a:xfrm>
+            <a:off x="838200" y="2326635"/>
+            <a:ext cx="2323809" cy="3152381"/>
+          </a:xfrm>
+          <a:prstGeom prst="rect">
+            <a:avLst/>
+          </a:prstGeom>
+        </p:spPr>
+      </p:pic>
+    </p:spTree>
+    <p:extLst>
+      <p:ext uri="{BB962C8B-B14F-4D97-AF65-F5344CB8AC3E}">
+        <p14:creationId xmlns:p14="http://schemas.microsoft.com/office/powerpoint/2010/main" val="3792390295"/>
+      </p:ext>
+    </p:extLst>
+  </p:cSld>
+  <p:clrMapOvr>
+    <a:masterClrMapping/>
+  </p:clrMapOvr>
+</p:sld>
+</file>
+
+<file path=ppt/slides/slide55.xml><?xml version="1.0" encoding="utf-8"?>
+<p:sld xmlns:a="http://schemas.openxmlformats.org/drawingml/2006/main" xmlns:r="http://schemas.openxmlformats.org/officeDocument/2006/relationships" xmlns:p="http://schemas.openxmlformats.org/presentationml/2006/main">
+  <p:cSld>
+    <p:spTree>
+      <p:nvGrpSpPr>
+        <p:cNvPr id="1" name=""/>
+        <p:cNvGrpSpPr/>
+        <p:nvPr/>
+      </p:nvGrpSpPr>
+      <p:grpSpPr>
+        <a:xfrm>
+          <a:off x="0" y="0"/>
+          <a:ext cx="0" cy="0"/>
+          <a:chOff x="0" y="0"/>
+          <a:chExt cx="0" cy="0"/>
+        </a:xfrm>
+      </p:grpSpPr>
+      <p:sp>
+        <p:nvSpPr>
+          <p:cNvPr id="2" name="标题 1">
+            <a:extLst>
+              <a:ext uri="{FF2B5EF4-FFF2-40B4-BE49-F238E27FC236}">
+                <a16:creationId xmlns:a16="http://schemas.microsoft.com/office/drawing/2014/main" id="{6B10226E-B80C-4E35-BBFC-D71BA6529431}"/>
+              </a:ext>
+            </a:extLst>
+          </p:cNvPr>
+          <p:cNvSpPr>
+            <a:spLocks noGrp="1"/>
+          </p:cNvSpPr>
+          <p:nvPr>
+            <p:ph type="title"/>
+          </p:nvPr>
+        </p:nvSpPr>
+        <p:spPr/>
+        <p:txBody>
+          <a:bodyPr/>
+          <a:lstStyle/>
+          <a:p>
+            <a:r>
+              <a:rPr lang="en-US" altLang="zh-CN" dirty="0"/>
+              <a:t>Garbage Collection</a:t>
+            </a:r>
+            <a:endParaRPr lang="zh-CN" altLang="en-US" dirty="0"/>
+          </a:p>
+        </p:txBody>
+      </p:sp>
+      <p:sp>
+        <p:nvSpPr>
+          <p:cNvPr id="3" name="内容占位符 2">
+            <a:extLst>
+              <a:ext uri="{FF2B5EF4-FFF2-40B4-BE49-F238E27FC236}">
+                <a16:creationId xmlns:a16="http://schemas.microsoft.com/office/drawing/2014/main" id="{F89EEB72-A0ED-44C1-8AE8-9F7161723DBF}"/>
+              </a:ext>
+            </a:extLst>
+          </p:cNvPr>
+          <p:cNvSpPr>
+            <a:spLocks noGrp="1"/>
+          </p:cNvSpPr>
+          <p:nvPr>
+            <p:ph idx="1"/>
+          </p:nvPr>
+        </p:nvSpPr>
+        <p:spPr/>
+        <p:txBody>
+          <a:bodyPr/>
+          <a:lstStyle/>
+          <a:p>
+            <a:r>
+              <a:rPr lang="en-US" altLang="zh-CN" dirty="0"/>
+              <a:t>C / C++: malloc and free manually.</a:t>
+            </a:r>
+          </a:p>
+          <a:p>
+            <a:r>
+              <a:rPr lang="en-US" altLang="zh-CN" dirty="0"/>
+              <a:t>Java: garbage collector.</a:t>
+            </a:r>
+          </a:p>
+          <a:p>
+            <a:pPr lvl="1"/>
+            <a:r>
+              <a:rPr lang="en-US" altLang="zh-CN" dirty="0"/>
+              <a:t>Accessible graph.</a:t>
+            </a:r>
+          </a:p>
+          <a:p>
+            <a:pPr lvl="1"/>
+            <a:r>
+              <a:rPr lang="en-US" altLang="zh-CN" dirty="0"/>
+              <a:t>Root graph.</a:t>
+            </a:r>
+          </a:p>
+          <a:p>
+            <a:r>
+              <a:rPr lang="en-US" altLang="zh-CN" dirty="0"/>
+              <a:t>Rust: no garbage collector, use memory allocation policy to control memory leak.</a:t>
+            </a:r>
+            <a:endParaRPr lang="zh-CN" altLang="en-US" dirty="0"/>
+          </a:p>
+        </p:txBody>
+      </p:sp>
+    </p:spTree>
+    <p:extLst>
+      <p:ext uri="{BB962C8B-B14F-4D97-AF65-F5344CB8AC3E}">
+        <p14:creationId xmlns:p14="http://schemas.microsoft.com/office/powerpoint/2010/main" val="390042691"/>
+      </p:ext>
+    </p:extLst>
+  </p:cSld>
+  <p:clrMapOvr>
+    <a:masterClrMapping/>
+  </p:clrMapOvr>
+</p:sld>
+</file>
+
+<file path=ppt/slides/slide56.xml><?xml version="1.0" encoding="utf-8"?>
+<p:sld xmlns:a="http://schemas.openxmlformats.org/drawingml/2006/main" xmlns:r="http://schemas.openxmlformats.org/officeDocument/2006/relationships" xmlns:p="http://schemas.openxmlformats.org/presentationml/2006/main">
+  <p:cSld>
+    <p:spTree>
+      <p:nvGrpSpPr>
+        <p:cNvPr id="1" name=""/>
+        <p:cNvGrpSpPr/>
+        <p:nvPr/>
+      </p:nvGrpSpPr>
+      <p:grpSpPr>
+        <a:xfrm>
+          <a:off x="0" y="0"/>
+          <a:ext cx="0" cy="0"/>
+          <a:chOff x="0" y="0"/>
+          <a:chExt cx="0" cy="0"/>
+        </a:xfrm>
+      </p:grpSpPr>
+      <p:sp>
+        <p:nvSpPr>
+          <p:cNvPr id="2" name="标题 1">
+            <a:extLst>
+              <a:ext uri="{FF2B5EF4-FFF2-40B4-BE49-F238E27FC236}">
+                <a16:creationId xmlns:a16="http://schemas.microsoft.com/office/drawing/2014/main" id="{862E5853-534C-450F-8289-2D5F1286FBF1}"/>
+              </a:ext>
+            </a:extLst>
+          </p:cNvPr>
+          <p:cNvSpPr>
+            <a:spLocks noGrp="1"/>
+          </p:cNvSpPr>
+          <p:nvPr>
+            <p:ph type="title"/>
+          </p:nvPr>
+        </p:nvSpPr>
+        <p:spPr/>
+        <p:txBody>
+          <a:bodyPr/>
+          <a:lstStyle/>
+          <a:p>
+            <a:r>
+              <a:rPr lang="en-US" altLang="zh-CN" dirty="0"/>
+              <a:t>IO and Networking</a:t>
+            </a:r>
+            <a:endParaRPr lang="zh-CN" altLang="en-US" dirty="0"/>
+          </a:p>
+        </p:txBody>
+      </p:sp>
+      <p:sp>
+        <p:nvSpPr>
+          <p:cNvPr id="3" name="文本占位符 2">
+            <a:extLst>
+              <a:ext uri="{FF2B5EF4-FFF2-40B4-BE49-F238E27FC236}">
+                <a16:creationId xmlns:a16="http://schemas.microsoft.com/office/drawing/2014/main" id="{49B34A1F-A205-4A51-9DFA-A79C0999FCB4}"/>
+              </a:ext>
+            </a:extLst>
+          </p:cNvPr>
+          <p:cNvSpPr>
+            <a:spLocks noGrp="1"/>
+          </p:cNvSpPr>
+          <p:nvPr>
+            <p:ph type="body" idx="1"/>
+          </p:nvPr>
+        </p:nvSpPr>
+        <p:spPr/>
+        <p:txBody>
+          <a:bodyPr/>
+          <a:lstStyle/>
+          <a:p>
+            <a:r>
+              <a:rPr lang="en-US" altLang="zh-CN" dirty="0"/>
+              <a:t>Chapter 7</a:t>
+            </a:r>
+            <a:endParaRPr lang="zh-CN" altLang="en-US" dirty="0"/>
+          </a:p>
+        </p:txBody>
+      </p:sp>
+    </p:spTree>
+    <p:extLst>
+      <p:ext uri="{BB962C8B-B14F-4D97-AF65-F5344CB8AC3E}">
+        <p14:creationId xmlns:p14="http://schemas.microsoft.com/office/powerpoint/2010/main" val="1348190673"/>
+      </p:ext>
+    </p:extLst>
+  </p:cSld>
+  <p:clrMapOvr>
+    <a:masterClrMapping/>
+  </p:clrMapOvr>
+</p:sld>
+</file>
+
+<file path=ppt/slides/slide57.xml><?xml version="1.0" encoding="utf-8"?>
+<p:sld xmlns:a="http://schemas.openxmlformats.org/drawingml/2006/main" xmlns:r="http://schemas.openxmlformats.org/officeDocument/2006/relationships" xmlns:p="http://schemas.openxmlformats.org/presentationml/2006/main">
+  <p:cSld>
+    <p:spTree>
+      <p:nvGrpSpPr>
+        <p:cNvPr id="1" name=""/>
+        <p:cNvGrpSpPr/>
+        <p:nvPr/>
+      </p:nvGrpSpPr>
+      <p:grpSpPr>
+        <a:xfrm>
+          <a:off x="0" y="0"/>
+          <a:ext cx="0" cy="0"/>
+          <a:chOff x="0" y="0"/>
+          <a:chExt cx="0" cy="0"/>
+        </a:xfrm>
+      </p:grpSpPr>
+      <p:sp>
+        <p:nvSpPr>
+          <p:cNvPr id="2" name="标题 1">
+            <a:extLst>
+              <a:ext uri="{FF2B5EF4-FFF2-40B4-BE49-F238E27FC236}">
+                <a16:creationId xmlns:a16="http://schemas.microsoft.com/office/drawing/2014/main" id="{068F8584-1FA5-4184-B2D1-9A07F86201A9}"/>
+              </a:ext>
+            </a:extLst>
+          </p:cNvPr>
+          <p:cNvSpPr>
+            <a:spLocks noGrp="1"/>
+          </p:cNvSpPr>
+          <p:nvPr>
+            <p:ph type="title"/>
+          </p:nvPr>
+        </p:nvSpPr>
+        <p:spPr/>
+        <p:txBody>
+          <a:bodyPr/>
+          <a:lstStyle/>
+          <a:p>
+            <a:r>
+              <a:rPr lang="en-US" altLang="zh-CN" dirty="0"/>
+              <a:t>File</a:t>
+            </a:r>
+            <a:endParaRPr lang="zh-CN" altLang="en-US" dirty="0"/>
+          </a:p>
+        </p:txBody>
+      </p:sp>
+      <p:sp>
+        <p:nvSpPr>
+          <p:cNvPr id="3" name="内容占位符 2">
+            <a:extLst>
+              <a:ext uri="{FF2B5EF4-FFF2-40B4-BE49-F238E27FC236}">
+                <a16:creationId xmlns:a16="http://schemas.microsoft.com/office/drawing/2014/main" id="{A443C569-41E9-43BF-92E5-E300CFF9C987}"/>
+              </a:ext>
+            </a:extLst>
+          </p:cNvPr>
+          <p:cNvSpPr>
+            <a:spLocks noGrp="1"/>
+          </p:cNvSpPr>
+          <p:nvPr>
+            <p:ph idx="1"/>
+          </p:nvPr>
+        </p:nvSpPr>
+        <p:spPr/>
+        <p:txBody>
+          <a:bodyPr/>
+          <a:lstStyle/>
+          <a:p>
+            <a:r>
+              <a:rPr lang="en-US" altLang="zh-CN" dirty="0"/>
+              <a:t>Linux: regular file, directory, socket.</a:t>
+            </a:r>
+          </a:p>
+          <a:p>
+            <a:r>
+              <a:rPr lang="en-US" altLang="zh-CN" dirty="0"/>
+              <a:t>Absolute file path: /root/flag</a:t>
+            </a:r>
+          </a:p>
+          <a:p>
+            <a:r>
+              <a:rPr lang="en-US" altLang="zh-CN" dirty="0"/>
+              <a:t>Relative file path: ./flag ../flag</a:t>
+            </a:r>
+          </a:p>
+          <a:p>
+            <a:r>
+              <a:rPr lang="en-US" altLang="zh-CN" dirty="0"/>
+              <a:t>Read / write file: file pointer, redirect.</a:t>
+            </a:r>
+          </a:p>
+          <a:p>
+            <a:pPr lvl="1"/>
+            <a:r>
+              <a:rPr lang="en-US" altLang="zh-CN" dirty="0"/>
+              <a:t>Buffer: reduce file r / w latency.</a:t>
+            </a:r>
+          </a:p>
+        </p:txBody>
+      </p:sp>
+    </p:spTree>
+    <p:extLst>
+      <p:ext uri="{BB962C8B-B14F-4D97-AF65-F5344CB8AC3E}">
+        <p14:creationId xmlns:p14="http://schemas.microsoft.com/office/powerpoint/2010/main" val="3235401535"/>
+      </p:ext>
+    </p:extLst>
+  </p:cSld>
+  <p:clrMapOvr>
+    <a:masterClrMapping/>
+  </p:clrMapOvr>
+</p:sld>
+</file>
+
+<file path=ppt/slides/slide58.xml><?xml version="1.0" encoding="utf-8"?>
+<p:sld xmlns:a="http://schemas.openxmlformats.org/drawingml/2006/main" xmlns:r="http://schemas.openxmlformats.org/officeDocument/2006/relationships" xmlns:p="http://schemas.openxmlformats.org/presentationml/2006/main">
+  <p:cSld>
+    <p:spTree>
+      <p:nvGrpSpPr>
+        <p:cNvPr id="1" name=""/>
+        <p:cNvGrpSpPr/>
+        <p:nvPr/>
+      </p:nvGrpSpPr>
+      <p:grpSpPr>
+        <a:xfrm>
+          <a:off x="0" y="0"/>
+          <a:ext cx="0" cy="0"/>
+          <a:chOff x="0" y="0"/>
+          <a:chExt cx="0" cy="0"/>
+        </a:xfrm>
+      </p:grpSpPr>
+      <p:sp>
+        <p:nvSpPr>
+          <p:cNvPr id="2" name="标题 1">
+            <a:extLst>
+              <a:ext uri="{FF2B5EF4-FFF2-40B4-BE49-F238E27FC236}">
+                <a16:creationId xmlns:a16="http://schemas.microsoft.com/office/drawing/2014/main" id="{AB1565BA-1AD6-4F59-9FF9-F902669DF906}"/>
+              </a:ext>
+            </a:extLst>
+          </p:cNvPr>
+          <p:cNvSpPr>
+            <a:spLocks noGrp="1"/>
+          </p:cNvSpPr>
+          <p:nvPr>
+            <p:ph type="title"/>
+          </p:nvPr>
+        </p:nvSpPr>
+        <p:spPr/>
+        <p:txBody>
+          <a:bodyPr/>
+          <a:lstStyle/>
+          <a:p>
+            <a:r>
+              <a:rPr lang="en-US" altLang="zh-CN" dirty="0"/>
+              <a:t>File Descriptor</a:t>
+            </a:r>
+            <a:endParaRPr lang="zh-CN" altLang="en-US" dirty="0"/>
+          </a:p>
+        </p:txBody>
+      </p:sp>
+      <p:sp>
+        <p:nvSpPr>
+          <p:cNvPr id="3" name="内容占位符 2">
+            <a:extLst>
+              <a:ext uri="{FF2B5EF4-FFF2-40B4-BE49-F238E27FC236}">
+                <a16:creationId xmlns:a16="http://schemas.microsoft.com/office/drawing/2014/main" id="{E7A114E8-9FB1-49BB-B482-EECCE8A50A34}"/>
+              </a:ext>
+            </a:extLst>
+          </p:cNvPr>
+          <p:cNvSpPr>
+            <a:spLocks noGrp="1"/>
+          </p:cNvSpPr>
+          <p:nvPr>
+            <p:ph idx="1"/>
+          </p:nvPr>
+        </p:nvSpPr>
+        <p:spPr/>
+        <p:txBody>
+          <a:bodyPr/>
+          <a:lstStyle/>
+          <a:p>
+            <a:r>
+              <a:rPr lang="en-US" altLang="zh-CN" dirty="0"/>
+              <a:t>Identifier for file or socket.</a:t>
+            </a:r>
+          </a:p>
+          <a:p>
+            <a:r>
+              <a:rPr lang="en-US" altLang="zh-CN" dirty="0"/>
+              <a:t>File descriptor vulnerability under Linux:</a:t>
+            </a:r>
+          </a:p>
+          <a:p>
+            <a:endParaRPr lang="zh-CN" altLang="en-US" dirty="0"/>
+          </a:p>
+        </p:txBody>
+      </p:sp>
+      <p:pic>
+        <p:nvPicPr>
+          <p:cNvPr id="5" name="图片 4">
+            <a:extLst>
+              <a:ext uri="{FF2B5EF4-FFF2-40B4-BE49-F238E27FC236}">
+                <a16:creationId xmlns:a16="http://schemas.microsoft.com/office/drawing/2014/main" id="{128D97B8-854E-4400-9B74-363CE731814C}"/>
+              </a:ext>
+            </a:extLst>
+          </p:cNvPr>
+          <p:cNvPicPr>
+            <a:picLocks noChangeAspect="1"/>
+          </p:cNvPicPr>
+          <p:nvPr/>
+        </p:nvPicPr>
+        <p:blipFill>
+          <a:blip r:embed="rId2"/>
+          <a:stretch>
+            <a:fillRect/>
+          </a:stretch>
+        </p:blipFill>
+        <p:spPr>
+          <a:xfrm>
+            <a:off x="838200" y="2923467"/>
+            <a:ext cx="8045089" cy="3107848"/>
+          </a:xfrm>
+          <a:prstGeom prst="rect">
+            <a:avLst/>
+          </a:prstGeom>
+        </p:spPr>
+      </p:pic>
+    </p:spTree>
+    <p:extLst>
+      <p:ext uri="{BB962C8B-B14F-4D97-AF65-F5344CB8AC3E}">
+        <p14:creationId xmlns:p14="http://schemas.microsoft.com/office/powerpoint/2010/main" val="560689009"/>
+      </p:ext>
+    </p:extLst>
+  </p:cSld>
+  <p:clrMapOvr>
+    <a:masterClrMapping/>
+  </p:clrMapOvr>
+</p:sld>
+</file>
+
+<file path=ppt/slides/slide59.xml><?xml version="1.0" encoding="utf-8"?>
+<p:sld xmlns:a="http://schemas.openxmlformats.org/drawingml/2006/main" xmlns:r="http://schemas.openxmlformats.org/officeDocument/2006/relationships" xmlns:p="http://schemas.openxmlformats.org/presentationml/2006/main">
+  <p:cSld>
+    <p:spTree>
+      <p:nvGrpSpPr>
+        <p:cNvPr id="1" name=""/>
+        <p:cNvGrpSpPr/>
+        <p:nvPr/>
+      </p:nvGrpSpPr>
+      <p:grpSpPr>
+        <a:xfrm>
+          <a:off x="0" y="0"/>
+          <a:ext cx="0" cy="0"/>
+          <a:chOff x="0" y="0"/>
+          <a:chExt cx="0" cy="0"/>
+        </a:xfrm>
+      </p:grpSpPr>
+      <p:sp>
+        <p:nvSpPr>
+          <p:cNvPr id="2" name="标题 1">
+            <a:extLst>
+              <a:ext uri="{FF2B5EF4-FFF2-40B4-BE49-F238E27FC236}">
+                <a16:creationId xmlns:a16="http://schemas.microsoft.com/office/drawing/2014/main" id="{9ADBC1E8-C90D-4354-BC01-3DDA8253FFDF}"/>
+              </a:ext>
+            </a:extLst>
+          </p:cNvPr>
+          <p:cNvSpPr>
+            <a:spLocks noGrp="1"/>
+          </p:cNvSpPr>
+          <p:nvPr>
+            <p:ph type="title"/>
+          </p:nvPr>
+        </p:nvSpPr>
+        <p:spPr/>
+        <p:txBody>
+          <a:bodyPr/>
+          <a:lstStyle/>
+          <a:p>
+            <a:r>
+              <a:rPr lang="en-US" altLang="zh-CN" dirty="0"/>
+              <a:t>Network</a:t>
+            </a:r>
+            <a:endParaRPr lang="zh-CN" altLang="en-US" dirty="0"/>
+          </a:p>
+        </p:txBody>
+      </p:sp>
+      <p:sp>
+        <p:nvSpPr>
+          <p:cNvPr id="3" name="内容占位符 2">
+            <a:extLst>
+              <a:ext uri="{FF2B5EF4-FFF2-40B4-BE49-F238E27FC236}">
+                <a16:creationId xmlns:a16="http://schemas.microsoft.com/office/drawing/2014/main" id="{256AA883-2EDA-4C35-986A-AE9A48C60013}"/>
+              </a:ext>
+            </a:extLst>
+          </p:cNvPr>
+          <p:cNvSpPr>
+            <a:spLocks noGrp="1"/>
+          </p:cNvSpPr>
+          <p:nvPr>
+            <p:ph idx="1"/>
+          </p:nvPr>
+        </p:nvSpPr>
+        <p:spPr/>
+        <p:txBody>
+          <a:bodyPr/>
+          <a:lstStyle/>
+          <a:p>
+            <a:r>
+              <a:rPr lang="en-US" altLang="zh-CN" dirty="0"/>
+              <a:t>Request: client to server.</a:t>
+            </a:r>
+          </a:p>
+          <a:p>
+            <a:r>
+              <a:rPr lang="en-US" altLang="zh-CN" dirty="0"/>
+              <a:t>Handle: server.</a:t>
+            </a:r>
+          </a:p>
+          <a:p>
+            <a:r>
+              <a:rPr lang="en-US" altLang="zh-CN" dirty="0"/>
+              <a:t>Response: server to client.</a:t>
+            </a:r>
+          </a:p>
+          <a:p>
+            <a:r>
+              <a:rPr lang="en-US" altLang="zh-CN" dirty="0"/>
+              <a:t>Handle: client.</a:t>
+            </a:r>
+          </a:p>
+          <a:p>
+            <a:endParaRPr lang="zh-CN" altLang="en-US" dirty="0"/>
+          </a:p>
+        </p:txBody>
+      </p:sp>
+      <p:pic>
+        <p:nvPicPr>
+          <p:cNvPr id="5" name="图片 4">
+            <a:extLst>
+              <a:ext uri="{FF2B5EF4-FFF2-40B4-BE49-F238E27FC236}">
+                <a16:creationId xmlns:a16="http://schemas.microsoft.com/office/drawing/2014/main" id="{AB3D9357-0C00-4600-A147-CC4D9EE566E2}"/>
+              </a:ext>
+            </a:extLst>
+          </p:cNvPr>
+          <p:cNvPicPr>
+            <a:picLocks noChangeAspect="1"/>
+          </p:cNvPicPr>
+          <p:nvPr/>
+        </p:nvPicPr>
+        <p:blipFill>
+          <a:blip r:embed="rId2"/>
+          <a:stretch>
+            <a:fillRect/>
+          </a:stretch>
+        </p:blipFill>
+        <p:spPr>
+          <a:xfrm>
+            <a:off x="838200" y="4001294"/>
+            <a:ext cx="4742857" cy="771429"/>
+          </a:xfrm>
+          <a:prstGeom prst="rect">
+            <a:avLst/>
+          </a:prstGeom>
+        </p:spPr>
+      </p:pic>
+    </p:spTree>
+    <p:extLst>
+      <p:ext uri="{BB962C8B-B14F-4D97-AF65-F5344CB8AC3E}">
+        <p14:creationId xmlns:p14="http://schemas.microsoft.com/office/powerpoint/2010/main" val="3876975609"/>
+      </p:ext>
+    </p:extLst>
+  </p:cSld>
+  <p:clrMapOvr>
+    <a:masterClrMapping/>
+  </p:clrMapOvr>
+</p:sld>
+</file>
+
 <file path=ppt/slides/slide6.xml><?xml version="1.0" encoding="utf-8"?>
 <p:sld xmlns:a="http://schemas.openxmlformats.org/drawingml/2006/main" xmlns:r="http://schemas.openxmlformats.org/officeDocument/2006/relationships" xmlns:p="http://schemas.openxmlformats.org/presentationml/2006/main">
   <p:cSld>
@@ -6680,6 +10871,411 @@
     <p:extLst>
       <p:ext uri="{BB962C8B-B14F-4D97-AF65-F5344CB8AC3E}">
         <p14:creationId xmlns:p14="http://schemas.microsoft.com/office/powerpoint/2010/main" val="2545712653"/>
+      </p:ext>
+    </p:extLst>
+  </p:cSld>
+  <p:clrMapOvr>
+    <a:masterClrMapping/>
+  </p:clrMapOvr>
+</p:sld>
+</file>
+
+<file path=ppt/slides/slide60.xml><?xml version="1.0" encoding="utf-8"?>
+<p:sld xmlns:a="http://schemas.openxmlformats.org/drawingml/2006/main" xmlns:r="http://schemas.openxmlformats.org/officeDocument/2006/relationships" xmlns:p="http://schemas.openxmlformats.org/presentationml/2006/main">
+  <p:cSld>
+    <p:spTree>
+      <p:nvGrpSpPr>
+        <p:cNvPr id="1" name=""/>
+        <p:cNvGrpSpPr/>
+        <p:nvPr/>
+      </p:nvGrpSpPr>
+      <p:grpSpPr>
+        <a:xfrm>
+          <a:off x="0" y="0"/>
+          <a:ext cx="0" cy="0"/>
+          <a:chOff x="0" y="0"/>
+          <a:chExt cx="0" cy="0"/>
+        </a:xfrm>
+      </p:grpSpPr>
+      <p:sp>
+        <p:nvSpPr>
+          <p:cNvPr id="2" name="标题 1">
+            <a:extLst>
+              <a:ext uri="{FF2B5EF4-FFF2-40B4-BE49-F238E27FC236}">
+                <a16:creationId xmlns:a16="http://schemas.microsoft.com/office/drawing/2014/main" id="{F8E1D74F-546B-4D0C-B263-8F19F73FABB2}"/>
+              </a:ext>
+            </a:extLst>
+          </p:cNvPr>
+          <p:cNvSpPr>
+            <a:spLocks noGrp="1"/>
+          </p:cNvSpPr>
+          <p:nvPr>
+            <p:ph type="title"/>
+          </p:nvPr>
+        </p:nvSpPr>
+        <p:spPr/>
+        <p:txBody>
+          <a:bodyPr/>
+          <a:lstStyle/>
+          <a:p>
+            <a:r>
+              <a:rPr lang="en-US" altLang="zh-CN" dirty="0"/>
+              <a:t>Router and Protocol</a:t>
+            </a:r>
+            <a:endParaRPr lang="zh-CN" altLang="en-US" dirty="0"/>
+          </a:p>
+        </p:txBody>
+      </p:sp>
+      <p:sp>
+        <p:nvSpPr>
+          <p:cNvPr id="3" name="内容占位符 2">
+            <a:extLst>
+              <a:ext uri="{FF2B5EF4-FFF2-40B4-BE49-F238E27FC236}">
+                <a16:creationId xmlns:a16="http://schemas.microsoft.com/office/drawing/2014/main" id="{17BFDE9E-CEBB-46CD-9032-22791191A16A}"/>
+              </a:ext>
+            </a:extLst>
+          </p:cNvPr>
+          <p:cNvSpPr>
+            <a:spLocks noGrp="1"/>
+          </p:cNvSpPr>
+          <p:nvPr>
+            <p:ph idx="1"/>
+          </p:nvPr>
+        </p:nvSpPr>
+        <p:spPr/>
+        <p:txBody>
+          <a:bodyPr/>
+          <a:lstStyle/>
+          <a:p>
+            <a:r>
+              <a:rPr lang="en-US" altLang="zh-CN" dirty="0"/>
+              <a:t>Router: connect different LANs.</a:t>
+            </a:r>
+          </a:p>
+          <a:p>
+            <a:endParaRPr lang="en-US" altLang="zh-CN" dirty="0"/>
+          </a:p>
+          <a:p>
+            <a:endParaRPr lang="en-US" altLang="zh-CN" dirty="0"/>
+          </a:p>
+          <a:p>
+            <a:r>
+              <a:rPr lang="en-US" altLang="zh-CN" dirty="0"/>
+              <a:t>Traffic on Internet follows protocols.</a:t>
+            </a:r>
+          </a:p>
+          <a:p>
+            <a:pPr lvl="1"/>
+            <a:r>
+              <a:rPr lang="en-US" altLang="zh-CN" dirty="0"/>
+              <a:t>HTTP, HTTPS, FTP, SMB, POP3…</a:t>
+            </a:r>
+          </a:p>
+        </p:txBody>
+      </p:sp>
+      <p:pic>
+        <p:nvPicPr>
+          <p:cNvPr id="5" name="图片 4">
+            <a:extLst>
+              <a:ext uri="{FF2B5EF4-FFF2-40B4-BE49-F238E27FC236}">
+                <a16:creationId xmlns:a16="http://schemas.microsoft.com/office/drawing/2014/main" id="{0E6B0268-646C-46B2-ABFF-61B89B09BC81}"/>
+              </a:ext>
+            </a:extLst>
+          </p:cNvPr>
+          <p:cNvPicPr>
+            <a:picLocks noChangeAspect="1"/>
+          </p:cNvPicPr>
+          <p:nvPr/>
+        </p:nvPicPr>
+        <p:blipFill>
+          <a:blip r:embed="rId2"/>
+          <a:stretch>
+            <a:fillRect/>
+          </a:stretch>
+        </p:blipFill>
+        <p:spPr>
+          <a:xfrm>
+            <a:off x="838200" y="2314714"/>
+            <a:ext cx="5447619" cy="1114286"/>
+          </a:xfrm>
+          <a:prstGeom prst="rect">
+            <a:avLst/>
+          </a:prstGeom>
+        </p:spPr>
+      </p:pic>
+    </p:spTree>
+    <p:extLst>
+      <p:ext uri="{BB962C8B-B14F-4D97-AF65-F5344CB8AC3E}">
+        <p14:creationId xmlns:p14="http://schemas.microsoft.com/office/powerpoint/2010/main" val="2885925941"/>
+      </p:ext>
+    </p:extLst>
+  </p:cSld>
+  <p:clrMapOvr>
+    <a:masterClrMapping/>
+  </p:clrMapOvr>
+</p:sld>
+</file>
+
+<file path=ppt/slides/slide61.xml><?xml version="1.0" encoding="utf-8"?>
+<p:sld xmlns:a="http://schemas.openxmlformats.org/drawingml/2006/main" xmlns:r="http://schemas.openxmlformats.org/officeDocument/2006/relationships" xmlns:p="http://schemas.openxmlformats.org/presentationml/2006/main">
+  <p:cSld>
+    <p:spTree>
+      <p:nvGrpSpPr>
+        <p:cNvPr id="1" name=""/>
+        <p:cNvGrpSpPr/>
+        <p:nvPr/>
+      </p:nvGrpSpPr>
+      <p:grpSpPr>
+        <a:xfrm>
+          <a:off x="0" y="0"/>
+          <a:ext cx="0" cy="0"/>
+          <a:chOff x="0" y="0"/>
+          <a:chExt cx="0" cy="0"/>
+        </a:xfrm>
+      </p:grpSpPr>
+      <p:sp>
+        <p:nvSpPr>
+          <p:cNvPr id="2" name="标题 1">
+            <a:extLst>
+              <a:ext uri="{FF2B5EF4-FFF2-40B4-BE49-F238E27FC236}">
+                <a16:creationId xmlns:a16="http://schemas.microsoft.com/office/drawing/2014/main" id="{9B931EE9-8327-457D-A06E-F55FE215782A}"/>
+              </a:ext>
+            </a:extLst>
+          </p:cNvPr>
+          <p:cNvSpPr>
+            <a:spLocks noGrp="1"/>
+          </p:cNvSpPr>
+          <p:nvPr>
+            <p:ph type="title"/>
+          </p:nvPr>
+        </p:nvSpPr>
+        <p:spPr/>
+        <p:txBody>
+          <a:bodyPr/>
+          <a:lstStyle/>
+          <a:p>
+            <a:r>
+              <a:rPr lang="en-US" altLang="zh-CN" dirty="0"/>
+              <a:t>DNS</a:t>
+            </a:r>
+            <a:endParaRPr lang="zh-CN" altLang="en-US" dirty="0"/>
+          </a:p>
+        </p:txBody>
+      </p:sp>
+      <p:sp>
+        <p:nvSpPr>
+          <p:cNvPr id="3" name="内容占位符 2">
+            <a:extLst>
+              <a:ext uri="{FF2B5EF4-FFF2-40B4-BE49-F238E27FC236}">
+                <a16:creationId xmlns:a16="http://schemas.microsoft.com/office/drawing/2014/main" id="{EDD901B8-082C-4752-A4CA-ACE11D346EB6}"/>
+              </a:ext>
+            </a:extLst>
+          </p:cNvPr>
+          <p:cNvSpPr>
+            <a:spLocks noGrp="1"/>
+          </p:cNvSpPr>
+          <p:nvPr>
+            <p:ph idx="1"/>
+          </p:nvPr>
+        </p:nvSpPr>
+        <p:spPr/>
+        <p:txBody>
+          <a:bodyPr/>
+          <a:lstStyle/>
+          <a:p>
+            <a:r>
+              <a:rPr lang="en-US" altLang="zh-CN" dirty="0"/>
+              <a:t>Domain name to IP address mapping.</a:t>
+            </a:r>
+          </a:p>
+          <a:p>
+            <a:endParaRPr lang="en-US" altLang="zh-CN" dirty="0"/>
+          </a:p>
+          <a:p>
+            <a:endParaRPr lang="en-US" altLang="zh-CN" dirty="0"/>
+          </a:p>
+          <a:p>
+            <a:endParaRPr lang="en-US" altLang="zh-CN" dirty="0"/>
+          </a:p>
+          <a:p>
+            <a:endParaRPr lang="en-US" altLang="zh-CN" dirty="0"/>
+          </a:p>
+          <a:p>
+            <a:endParaRPr lang="en-US" altLang="zh-CN" dirty="0"/>
+          </a:p>
+          <a:p>
+            <a:r>
+              <a:rPr lang="en-US" altLang="zh-CN" dirty="0"/>
+              <a:t>Provided by DNS servers.</a:t>
+            </a:r>
+          </a:p>
+          <a:p>
+            <a:r>
+              <a:rPr lang="en-US" altLang="zh-CN" dirty="0"/>
+              <a:t>DNS pollution.</a:t>
+            </a:r>
+            <a:endParaRPr lang="zh-CN" altLang="en-US" dirty="0"/>
+          </a:p>
+        </p:txBody>
+      </p:sp>
+      <p:pic>
+        <p:nvPicPr>
+          <p:cNvPr id="5" name="图片 4">
+            <a:extLst>
+              <a:ext uri="{FF2B5EF4-FFF2-40B4-BE49-F238E27FC236}">
+                <a16:creationId xmlns:a16="http://schemas.microsoft.com/office/drawing/2014/main" id="{D8D066C8-445D-434C-95BE-96A104FFA180}"/>
+              </a:ext>
+            </a:extLst>
+          </p:cNvPr>
+          <p:cNvPicPr>
+            <a:picLocks noChangeAspect="1"/>
+          </p:cNvPicPr>
+          <p:nvPr/>
+        </p:nvPicPr>
+        <p:blipFill>
+          <a:blip r:embed="rId2"/>
+          <a:stretch>
+            <a:fillRect/>
+          </a:stretch>
+        </p:blipFill>
+        <p:spPr>
+          <a:xfrm>
+            <a:off x="838200" y="2366601"/>
+            <a:ext cx="3580952" cy="2523809"/>
+          </a:xfrm>
+          <a:prstGeom prst="rect">
+            <a:avLst/>
+          </a:prstGeom>
+        </p:spPr>
+      </p:pic>
+    </p:spTree>
+    <p:extLst>
+      <p:ext uri="{BB962C8B-B14F-4D97-AF65-F5344CB8AC3E}">
+        <p14:creationId xmlns:p14="http://schemas.microsoft.com/office/powerpoint/2010/main" val="2153023223"/>
+      </p:ext>
+    </p:extLst>
+  </p:cSld>
+  <p:clrMapOvr>
+    <a:masterClrMapping/>
+  </p:clrMapOvr>
+</p:sld>
+</file>
+
+<file path=ppt/slides/slide62.xml><?xml version="1.0" encoding="utf-8"?>
+<p:sld xmlns:a="http://schemas.openxmlformats.org/drawingml/2006/main" xmlns:r="http://schemas.openxmlformats.org/officeDocument/2006/relationships" xmlns:p="http://schemas.openxmlformats.org/presentationml/2006/main">
+  <p:cSld>
+    <p:spTree>
+      <p:nvGrpSpPr>
+        <p:cNvPr id="1" name=""/>
+        <p:cNvGrpSpPr/>
+        <p:nvPr/>
+      </p:nvGrpSpPr>
+      <p:grpSpPr>
+        <a:xfrm>
+          <a:off x="0" y="0"/>
+          <a:ext cx="0" cy="0"/>
+          <a:chOff x="0" y="0"/>
+          <a:chExt cx="0" cy="0"/>
+        </a:xfrm>
+      </p:grpSpPr>
+      <p:sp>
+        <p:nvSpPr>
+          <p:cNvPr id="2" name="标题 1">
+            <a:extLst>
+              <a:ext uri="{FF2B5EF4-FFF2-40B4-BE49-F238E27FC236}">
+                <a16:creationId xmlns:a16="http://schemas.microsoft.com/office/drawing/2014/main" id="{280A165F-26E4-44F0-BBB9-6C5309D40700}"/>
+              </a:ext>
+            </a:extLst>
+          </p:cNvPr>
+          <p:cNvSpPr>
+            <a:spLocks noGrp="1"/>
+          </p:cNvSpPr>
+          <p:nvPr>
+            <p:ph type="title"/>
+          </p:nvPr>
+        </p:nvSpPr>
+        <p:spPr/>
+        <p:txBody>
+          <a:bodyPr/>
+          <a:lstStyle/>
+          <a:p>
+            <a:r>
+              <a:rPr lang="en-US" altLang="zh-CN" dirty="0"/>
+              <a:t>Summary</a:t>
+            </a:r>
+            <a:endParaRPr lang="zh-CN" altLang="en-US" dirty="0"/>
+          </a:p>
+        </p:txBody>
+      </p:sp>
+      <p:sp>
+        <p:nvSpPr>
+          <p:cNvPr id="3" name="内容占位符 2">
+            <a:extLst>
+              <a:ext uri="{FF2B5EF4-FFF2-40B4-BE49-F238E27FC236}">
+                <a16:creationId xmlns:a16="http://schemas.microsoft.com/office/drawing/2014/main" id="{923449D0-5386-4470-A1A2-BB7F1DE6D70A}"/>
+              </a:ext>
+            </a:extLst>
+          </p:cNvPr>
+          <p:cNvSpPr>
+            <a:spLocks noGrp="1"/>
+          </p:cNvSpPr>
+          <p:nvPr>
+            <p:ph idx="1"/>
+          </p:nvPr>
+        </p:nvSpPr>
+        <p:spPr/>
+        <p:txBody>
+          <a:bodyPr/>
+          <a:lstStyle/>
+          <a:p>
+            <a:r>
+              <a:rPr lang="en-US" altLang="zh-CN" dirty="0"/>
+              <a:t>1. Overview of Operating Systems</a:t>
+            </a:r>
+          </a:p>
+          <a:p>
+            <a:r>
+              <a:rPr lang="en-US" altLang="zh-CN" dirty="0"/>
+              <a:t>2. Storage of Information and Program</a:t>
+            </a:r>
+          </a:p>
+          <a:p>
+            <a:r>
+              <a:rPr lang="en-US" altLang="zh-CN" dirty="0"/>
+              <a:t>3. CPU Structure and Compiling of Program</a:t>
+            </a:r>
+          </a:p>
+          <a:p>
+            <a:r>
+              <a:rPr lang="en-US" altLang="zh-CN" dirty="0"/>
+              <a:t>4. Storage Hierarchy</a:t>
+            </a:r>
+          </a:p>
+          <a:p>
+            <a:r>
+              <a:rPr lang="en-US" altLang="zh-CN" dirty="0"/>
+              <a:t>5. Running of Program</a:t>
+            </a:r>
+          </a:p>
+          <a:p>
+            <a:r>
+              <a:rPr lang="en-US" altLang="zh-CN" dirty="0"/>
+              <a:t>6. Exception and Interrupt Handling</a:t>
+            </a:r>
+          </a:p>
+          <a:p>
+            <a:r>
+              <a:rPr lang="en-US" altLang="zh-CN" dirty="0"/>
+              <a:t>7. IO and Networking</a:t>
+            </a:r>
+            <a:endParaRPr lang="zh-CN" altLang="en-US" dirty="0"/>
+          </a:p>
+        </p:txBody>
+      </p:sp>
+    </p:spTree>
+    <p:extLst>
+      <p:ext uri="{BB962C8B-B14F-4D97-AF65-F5344CB8AC3E}">
+        <p14:creationId xmlns:p14="http://schemas.microsoft.com/office/powerpoint/2010/main" val="3195996971"/>
       </p:ext>
     </p:extLst>
   </p:cSld>
